--- a/examples/VGG16.pptx
+++ b/examples/VGG16.pptx
@@ -3264,7 +3264,7 @@
           <a:prstGeom prst="line">
             <a:avLst/>
           </a:prstGeom>
-          <a:ln w="1">
+          <a:ln w="12700">
             <a:solidFill>
               <a:srgbClr val="000000"/>
             </a:solidFill>
@@ -3299,7 +3299,7 @@
           <a:prstGeom prst="line">
             <a:avLst/>
           </a:prstGeom>
-          <a:ln w="1">
+          <a:ln w="12700">
             <a:solidFill>
               <a:srgbClr val="000000"/>
             </a:solidFill>
@@ -3335,7 +3335,7 @@
           <a:prstGeom prst="line">
             <a:avLst/>
           </a:prstGeom>
-          <a:ln w="1">
+          <a:ln w="12700">
             <a:solidFill>
               <a:srgbClr val="000000"/>
             </a:solidFill>
@@ -3370,7 +3370,7 @@
           <a:prstGeom prst="line">
             <a:avLst/>
           </a:prstGeom>
-          <a:ln w="1">
+          <a:ln w="12700">
             <a:solidFill>
               <a:srgbClr val="000000"/>
             </a:solidFill>
@@ -3405,7 +3405,7 @@
           <a:prstGeom prst="line">
             <a:avLst/>
           </a:prstGeom>
-          <a:ln w="1">
+          <a:ln w="12700">
             <a:solidFill>
               <a:srgbClr val="000000"/>
             </a:solidFill>
@@ -3440,7 +3440,7 @@
           <a:prstGeom prst="line">
             <a:avLst/>
           </a:prstGeom>
-          <a:ln w="1">
+          <a:ln w="12700">
             <a:solidFill>
               <a:srgbClr val="000000"/>
             </a:solidFill>
@@ -3475,7 +3475,7 @@
           <a:prstGeom prst="line">
             <a:avLst/>
           </a:prstGeom>
-          <a:ln w="1">
+          <a:ln w="12700">
             <a:solidFill>
               <a:srgbClr val="000000"/>
             </a:solidFill>
@@ -3511,7 +3511,7 @@
           <a:prstGeom prst="line">
             <a:avLst/>
           </a:prstGeom>
-          <a:ln w="1">
+          <a:ln w="12700">
             <a:solidFill>
               <a:srgbClr val="000000"/>
             </a:solidFill>
@@ -3546,7 +3546,7 @@
           <a:prstGeom prst="line">
             <a:avLst/>
           </a:prstGeom>
-          <a:ln w="1">
+          <a:ln w="12700">
             <a:solidFill>
               <a:srgbClr val="000000"/>
             </a:solidFill>
@@ -3582,7 +3582,7 @@
           <a:prstGeom prst="line">
             <a:avLst/>
           </a:prstGeom>
-          <a:ln w="1">
+          <a:ln w="12700">
             <a:solidFill>
               <a:srgbClr val="000000"/>
             </a:solidFill>
@@ -3617,7 +3617,7 @@
           <a:prstGeom prst="line">
             <a:avLst/>
           </a:prstGeom>
-          <a:ln w="1">
+          <a:ln w="12700">
             <a:solidFill>
               <a:srgbClr val="000000"/>
             </a:solidFill>
@@ -3652,7 +3652,7 @@
           <a:prstGeom prst="line">
             <a:avLst/>
           </a:prstGeom>
-          <a:ln w="1">
+          <a:ln w="12700">
             <a:solidFill>
               <a:srgbClr val="000000"/>
             </a:solidFill>
@@ -3720,7 +3720,7 @@
           <a:prstGeom prst="line">
             <a:avLst/>
           </a:prstGeom>
-          <a:ln w="1">
+          <a:ln w="12700">
             <a:solidFill>
               <a:srgbClr val="000000"/>
             </a:solidFill>
@@ -3755,7 +3755,7 @@
           <a:prstGeom prst="line">
             <a:avLst/>
           </a:prstGeom>
-          <a:ln w="1">
+          <a:ln w="12700">
             <a:solidFill>
               <a:srgbClr val="000000"/>
             </a:solidFill>
@@ -3791,7 +3791,7 @@
           <a:prstGeom prst="line">
             <a:avLst/>
           </a:prstGeom>
-          <a:ln w="1">
+          <a:ln w="12700">
             <a:solidFill>
               <a:srgbClr val="000000"/>
             </a:solidFill>
@@ -3826,7 +3826,7 @@
           <a:prstGeom prst="line">
             <a:avLst/>
           </a:prstGeom>
-          <a:ln w="1">
+          <a:ln w="12700">
             <a:solidFill>
               <a:srgbClr val="000000"/>
             </a:solidFill>
@@ -3861,7 +3861,7 @@
           <a:prstGeom prst="line">
             <a:avLst/>
           </a:prstGeom>
-          <a:ln w="1">
+          <a:ln w="12700">
             <a:solidFill>
               <a:srgbClr val="000000"/>
             </a:solidFill>
@@ -3896,7 +3896,7 @@
           <a:prstGeom prst="line">
             <a:avLst/>
           </a:prstGeom>
-          <a:ln w="1">
+          <a:ln w="12700">
             <a:solidFill>
               <a:srgbClr val="000000"/>
             </a:solidFill>
@@ -3931,7 +3931,7 @@
           <a:prstGeom prst="line">
             <a:avLst/>
           </a:prstGeom>
-          <a:ln w="1">
+          <a:ln w="12700">
             <a:solidFill>
               <a:srgbClr val="000000"/>
             </a:solidFill>
@@ -3967,7 +3967,7 @@
           <a:prstGeom prst="line">
             <a:avLst/>
           </a:prstGeom>
-          <a:ln w="1">
+          <a:ln w="12700">
             <a:solidFill>
               <a:srgbClr val="000000"/>
             </a:solidFill>
@@ -4002,7 +4002,7 @@
           <a:prstGeom prst="line">
             <a:avLst/>
           </a:prstGeom>
-          <a:ln w="1">
+          <a:ln w="12700">
             <a:solidFill>
               <a:srgbClr val="000000"/>
             </a:solidFill>
@@ -4038,7 +4038,7 @@
           <a:prstGeom prst="line">
             <a:avLst/>
           </a:prstGeom>
-          <a:ln w="1">
+          <a:ln w="12700">
             <a:solidFill>
               <a:srgbClr val="000000"/>
             </a:solidFill>
@@ -4073,7 +4073,7 @@
           <a:prstGeom prst="line">
             <a:avLst/>
           </a:prstGeom>
-          <a:ln w="1">
+          <a:ln w="12700">
             <a:solidFill>
               <a:srgbClr val="000000"/>
             </a:solidFill>
@@ -4108,7 +4108,7 @@
           <a:prstGeom prst="line">
             <a:avLst/>
           </a:prstGeom>
-          <a:ln w="1">
+          <a:ln w="12700">
             <a:solidFill>
               <a:srgbClr val="000000"/>
             </a:solidFill>
@@ -4176,7 +4176,7 @@
           <a:prstGeom prst="line">
             <a:avLst/>
           </a:prstGeom>
-          <a:ln w="1">
+          <a:ln w="12700">
             <a:solidFill>
               <a:srgbClr val="000000"/>
             </a:solidFill>
@@ -4211,7 +4211,7 @@
           <a:prstGeom prst="line">
             <a:avLst/>
           </a:prstGeom>
-          <a:ln w="1">
+          <a:ln w="12700">
             <a:solidFill>
               <a:srgbClr val="000000"/>
             </a:solidFill>
@@ -4247,7 +4247,7 @@
           <a:prstGeom prst="line">
             <a:avLst/>
           </a:prstGeom>
-          <a:ln w="1">
+          <a:ln w="12700">
             <a:solidFill>
               <a:srgbClr val="000000"/>
             </a:solidFill>
@@ -4282,7 +4282,7 @@
           <a:prstGeom prst="line">
             <a:avLst/>
           </a:prstGeom>
-          <a:ln w="1">
+          <a:ln w="12700">
             <a:solidFill>
               <a:srgbClr val="000000"/>
             </a:solidFill>
@@ -4317,7 +4317,7 @@
           <a:prstGeom prst="line">
             <a:avLst/>
           </a:prstGeom>
-          <a:ln w="1">
+          <a:ln w="12700">
             <a:solidFill>
               <a:srgbClr val="000000"/>
             </a:solidFill>
@@ -4352,7 +4352,7 @@
           <a:prstGeom prst="line">
             <a:avLst/>
           </a:prstGeom>
-          <a:ln w="1">
+          <a:ln w="12700">
             <a:solidFill>
               <a:srgbClr val="000000"/>
             </a:solidFill>
@@ -4387,7 +4387,7 @@
           <a:prstGeom prst="line">
             <a:avLst/>
           </a:prstGeom>
-          <a:ln w="1">
+          <a:ln w="12700">
             <a:solidFill>
               <a:srgbClr val="000000"/>
             </a:solidFill>
@@ -4423,7 +4423,7 @@
           <a:prstGeom prst="line">
             <a:avLst/>
           </a:prstGeom>
-          <a:ln w="1">
+          <a:ln w="12700">
             <a:solidFill>
               <a:srgbClr val="000000"/>
             </a:solidFill>
@@ -4458,7 +4458,7 @@
           <a:prstGeom prst="line">
             <a:avLst/>
           </a:prstGeom>
-          <a:ln w="1">
+          <a:ln w="12700">
             <a:solidFill>
               <a:srgbClr val="000000"/>
             </a:solidFill>
@@ -4494,7 +4494,7 @@
           <a:prstGeom prst="line">
             <a:avLst/>
           </a:prstGeom>
-          <a:ln w="1">
+          <a:ln w="12700">
             <a:solidFill>
               <a:srgbClr val="000000"/>
             </a:solidFill>
@@ -4529,7 +4529,7 @@
           <a:prstGeom prst="line">
             <a:avLst/>
           </a:prstGeom>
-          <a:ln w="1">
+          <a:ln w="12700">
             <a:solidFill>
               <a:srgbClr val="000000"/>
             </a:solidFill>
@@ -4564,7 +4564,7 @@
           <a:prstGeom prst="line">
             <a:avLst/>
           </a:prstGeom>
-          <a:ln w="1">
+          <a:ln w="12700">
             <a:solidFill>
               <a:srgbClr val="000000"/>
             </a:solidFill>
@@ -4632,7 +4632,7 @@
           <a:prstGeom prst="line">
             <a:avLst/>
           </a:prstGeom>
-          <a:ln w="1">
+          <a:ln w="12700">
             <a:solidFill>
               <a:srgbClr val="000000"/>
             </a:solidFill>
@@ -4667,7 +4667,7 @@
           <a:prstGeom prst="line">
             <a:avLst/>
           </a:prstGeom>
-          <a:ln w="1">
+          <a:ln w="12700">
             <a:solidFill>
               <a:srgbClr val="000000"/>
             </a:solidFill>
@@ -4703,7 +4703,7 @@
           <a:prstGeom prst="line">
             <a:avLst/>
           </a:prstGeom>
-          <a:ln w="1">
+          <a:ln w="12700">
             <a:solidFill>
               <a:srgbClr val="000000"/>
             </a:solidFill>
@@ -4738,7 +4738,7 @@
           <a:prstGeom prst="line">
             <a:avLst/>
           </a:prstGeom>
-          <a:ln w="1">
+          <a:ln w="12700">
             <a:solidFill>
               <a:srgbClr val="000000"/>
             </a:solidFill>
@@ -4773,7 +4773,7 @@
           <a:prstGeom prst="line">
             <a:avLst/>
           </a:prstGeom>
-          <a:ln w="1">
+          <a:ln w="12700">
             <a:solidFill>
               <a:srgbClr val="000000"/>
             </a:solidFill>
@@ -4808,7 +4808,7 @@
           <a:prstGeom prst="line">
             <a:avLst/>
           </a:prstGeom>
-          <a:ln w="1">
+          <a:ln w="12700">
             <a:solidFill>
               <a:srgbClr val="000000"/>
             </a:solidFill>
@@ -4843,7 +4843,7 @@
           <a:prstGeom prst="line">
             <a:avLst/>
           </a:prstGeom>
-          <a:ln w="1">
+          <a:ln w="12700">
             <a:solidFill>
               <a:srgbClr val="000000"/>
             </a:solidFill>
@@ -4879,7 +4879,7 @@
           <a:prstGeom prst="line">
             <a:avLst/>
           </a:prstGeom>
-          <a:ln w="1">
+          <a:ln w="12700">
             <a:solidFill>
               <a:srgbClr val="000000"/>
             </a:solidFill>
@@ -4914,7 +4914,7 @@
           <a:prstGeom prst="line">
             <a:avLst/>
           </a:prstGeom>
-          <a:ln w="1">
+          <a:ln w="12700">
             <a:solidFill>
               <a:srgbClr val="000000"/>
             </a:solidFill>
@@ -4950,7 +4950,7 @@
           <a:prstGeom prst="line">
             <a:avLst/>
           </a:prstGeom>
-          <a:ln w="1">
+          <a:ln w="12700">
             <a:solidFill>
               <a:srgbClr val="000000"/>
             </a:solidFill>
@@ -4985,7 +4985,7 @@
           <a:prstGeom prst="line">
             <a:avLst/>
           </a:prstGeom>
-          <a:ln w="1">
+          <a:ln w="12700">
             <a:solidFill>
               <a:srgbClr val="000000"/>
             </a:solidFill>
@@ -5020,7 +5020,7 @@
           <a:prstGeom prst="line">
             <a:avLst/>
           </a:prstGeom>
-          <a:ln w="1">
+          <a:ln w="12700">
             <a:solidFill>
               <a:srgbClr val="000000"/>
             </a:solidFill>
@@ -5088,7 +5088,7 @@
           <a:prstGeom prst="line">
             <a:avLst/>
           </a:prstGeom>
-          <a:ln w="1">
+          <a:ln w="12700">
             <a:solidFill>
               <a:srgbClr val="000000"/>
             </a:solidFill>
@@ -5123,7 +5123,7 @@
           <a:prstGeom prst="line">
             <a:avLst/>
           </a:prstGeom>
-          <a:ln w="1">
+          <a:ln w="12700">
             <a:solidFill>
               <a:srgbClr val="000000"/>
             </a:solidFill>
@@ -5159,7 +5159,7 @@
           <a:prstGeom prst="line">
             <a:avLst/>
           </a:prstGeom>
-          <a:ln w="1">
+          <a:ln w="12700">
             <a:solidFill>
               <a:srgbClr val="000000"/>
             </a:solidFill>
@@ -5194,7 +5194,7 @@
           <a:prstGeom prst="line">
             <a:avLst/>
           </a:prstGeom>
-          <a:ln w="1">
+          <a:ln w="12700">
             <a:solidFill>
               <a:srgbClr val="000000"/>
             </a:solidFill>
@@ -5229,7 +5229,7 @@
           <a:prstGeom prst="line">
             <a:avLst/>
           </a:prstGeom>
-          <a:ln w="1">
+          <a:ln w="12700">
             <a:solidFill>
               <a:srgbClr val="000000"/>
             </a:solidFill>
@@ -5264,7 +5264,7 @@
           <a:prstGeom prst="line">
             <a:avLst/>
           </a:prstGeom>
-          <a:ln w="1">
+          <a:ln w="12700">
             <a:solidFill>
               <a:srgbClr val="000000"/>
             </a:solidFill>
@@ -5299,7 +5299,7 @@
           <a:prstGeom prst="line">
             <a:avLst/>
           </a:prstGeom>
-          <a:ln w="1">
+          <a:ln w="12700">
             <a:solidFill>
               <a:srgbClr val="000000"/>
             </a:solidFill>
@@ -5335,7 +5335,7 @@
           <a:prstGeom prst="line">
             <a:avLst/>
           </a:prstGeom>
-          <a:ln w="1">
+          <a:ln w="12700">
             <a:solidFill>
               <a:srgbClr val="000000"/>
             </a:solidFill>
@@ -5370,7 +5370,7 @@
           <a:prstGeom prst="line">
             <a:avLst/>
           </a:prstGeom>
-          <a:ln w="1">
+          <a:ln w="12700">
             <a:solidFill>
               <a:srgbClr val="000000"/>
             </a:solidFill>
@@ -5406,7 +5406,7 @@
           <a:prstGeom prst="line">
             <a:avLst/>
           </a:prstGeom>
-          <a:ln w="1">
+          <a:ln w="12700">
             <a:solidFill>
               <a:srgbClr val="000000"/>
             </a:solidFill>
@@ -5441,7 +5441,7 @@
           <a:prstGeom prst="line">
             <a:avLst/>
           </a:prstGeom>
-          <a:ln w="1">
+          <a:ln w="12700">
             <a:solidFill>
               <a:srgbClr val="000000"/>
             </a:solidFill>
@@ -5476,7 +5476,7 @@
           <a:prstGeom prst="line">
             <a:avLst/>
           </a:prstGeom>
-          <a:ln w="1">
+          <a:ln w="12700">
             <a:solidFill>
               <a:srgbClr val="000000"/>
             </a:solidFill>
@@ -5544,7 +5544,7 @@
           <a:prstGeom prst="line">
             <a:avLst/>
           </a:prstGeom>
-          <a:ln w="1">
+          <a:ln w="12700">
             <a:solidFill>
               <a:srgbClr val="000000"/>
             </a:solidFill>
@@ -5579,7 +5579,7 @@
           <a:prstGeom prst="line">
             <a:avLst/>
           </a:prstGeom>
-          <a:ln w="1">
+          <a:ln w="12700">
             <a:solidFill>
               <a:srgbClr val="000000"/>
             </a:solidFill>
@@ -5615,7 +5615,7 @@
           <a:prstGeom prst="line">
             <a:avLst/>
           </a:prstGeom>
-          <a:ln w="1">
+          <a:ln w="12700">
             <a:solidFill>
               <a:srgbClr val="000000"/>
             </a:solidFill>
@@ -5650,7 +5650,7 @@
           <a:prstGeom prst="line">
             <a:avLst/>
           </a:prstGeom>
-          <a:ln w="1">
+          <a:ln w="12700">
             <a:solidFill>
               <a:srgbClr val="000000"/>
             </a:solidFill>
@@ -5685,7 +5685,7 @@
           <a:prstGeom prst="line">
             <a:avLst/>
           </a:prstGeom>
-          <a:ln w="1">
+          <a:ln w="12700">
             <a:solidFill>
               <a:srgbClr val="000000"/>
             </a:solidFill>
@@ -5720,7 +5720,7 @@
           <a:prstGeom prst="line">
             <a:avLst/>
           </a:prstGeom>
-          <a:ln w="1">
+          <a:ln w="12700">
             <a:solidFill>
               <a:srgbClr val="000000"/>
             </a:solidFill>
@@ -5755,7 +5755,7 @@
           <a:prstGeom prst="line">
             <a:avLst/>
           </a:prstGeom>
-          <a:ln w="1">
+          <a:ln w="12700">
             <a:solidFill>
               <a:srgbClr val="000000"/>
             </a:solidFill>
@@ -5791,7 +5791,7 @@
           <a:prstGeom prst="line">
             <a:avLst/>
           </a:prstGeom>
-          <a:ln w="1">
+          <a:ln w="12700">
             <a:solidFill>
               <a:srgbClr val="000000"/>
             </a:solidFill>
@@ -5826,7 +5826,7 @@
           <a:prstGeom prst="line">
             <a:avLst/>
           </a:prstGeom>
-          <a:ln w="1">
+          <a:ln w="12700">
             <a:solidFill>
               <a:srgbClr val="000000"/>
             </a:solidFill>
@@ -5862,7 +5862,7 @@
           <a:prstGeom prst="line">
             <a:avLst/>
           </a:prstGeom>
-          <a:ln w="1">
+          <a:ln w="12700">
             <a:solidFill>
               <a:srgbClr val="000000"/>
             </a:solidFill>
@@ -5897,7 +5897,7 @@
           <a:prstGeom prst="line">
             <a:avLst/>
           </a:prstGeom>
-          <a:ln w="1">
+          <a:ln w="12700">
             <a:solidFill>
               <a:srgbClr val="000000"/>
             </a:solidFill>
@@ -5932,7 +5932,7 @@
           <a:prstGeom prst="line">
             <a:avLst/>
           </a:prstGeom>
-          <a:ln w="1">
+          <a:ln w="12700">
             <a:solidFill>
               <a:srgbClr val="000000"/>
             </a:solidFill>
@@ -6000,7 +6000,7 @@
           <a:prstGeom prst="line">
             <a:avLst/>
           </a:prstGeom>
-          <a:ln w="1">
+          <a:ln w="12700">
             <a:solidFill>
               <a:srgbClr val="000000"/>
             </a:solidFill>
@@ -6035,7 +6035,7 @@
           <a:prstGeom prst="line">
             <a:avLst/>
           </a:prstGeom>
-          <a:ln w="1">
+          <a:ln w="12700">
             <a:solidFill>
               <a:srgbClr val="000000"/>
             </a:solidFill>
@@ -6071,7 +6071,7 @@
           <a:prstGeom prst="line">
             <a:avLst/>
           </a:prstGeom>
-          <a:ln w="1">
+          <a:ln w="12700">
             <a:solidFill>
               <a:srgbClr val="000000"/>
             </a:solidFill>
@@ -6106,7 +6106,7 @@
           <a:prstGeom prst="line">
             <a:avLst/>
           </a:prstGeom>
-          <a:ln w="1">
+          <a:ln w="12700">
             <a:solidFill>
               <a:srgbClr val="000000"/>
             </a:solidFill>
@@ -6141,7 +6141,7 @@
           <a:prstGeom prst="line">
             <a:avLst/>
           </a:prstGeom>
-          <a:ln w="1">
+          <a:ln w="12700">
             <a:solidFill>
               <a:srgbClr val="000000"/>
             </a:solidFill>
@@ -6176,7 +6176,7 @@
           <a:prstGeom prst="line">
             <a:avLst/>
           </a:prstGeom>
-          <a:ln w="1">
+          <a:ln w="12700">
             <a:solidFill>
               <a:srgbClr val="000000"/>
             </a:solidFill>
@@ -6211,7 +6211,7 @@
           <a:prstGeom prst="line">
             <a:avLst/>
           </a:prstGeom>
-          <a:ln w="1">
+          <a:ln w="12700">
             <a:solidFill>
               <a:srgbClr val="000000"/>
             </a:solidFill>
@@ -6247,7 +6247,7 @@
           <a:prstGeom prst="line">
             <a:avLst/>
           </a:prstGeom>
-          <a:ln w="1">
+          <a:ln w="12700">
             <a:solidFill>
               <a:srgbClr val="000000"/>
             </a:solidFill>
@@ -6282,7 +6282,7 @@
           <a:prstGeom prst="line">
             <a:avLst/>
           </a:prstGeom>
-          <a:ln w="1">
+          <a:ln w="12700">
             <a:solidFill>
               <a:srgbClr val="000000"/>
             </a:solidFill>
@@ -6318,7 +6318,7 @@
           <a:prstGeom prst="line">
             <a:avLst/>
           </a:prstGeom>
-          <a:ln w="1">
+          <a:ln w="12700">
             <a:solidFill>
               <a:srgbClr val="000000"/>
             </a:solidFill>
@@ -6353,7 +6353,7 @@
           <a:prstGeom prst="line">
             <a:avLst/>
           </a:prstGeom>
-          <a:ln w="1">
+          <a:ln w="12700">
             <a:solidFill>
               <a:srgbClr val="000000"/>
             </a:solidFill>
@@ -6388,7 +6388,7 @@
           <a:prstGeom prst="line">
             <a:avLst/>
           </a:prstGeom>
-          <a:ln w="1">
+          <a:ln w="12700">
             <a:solidFill>
               <a:srgbClr val="000000"/>
             </a:solidFill>
@@ -6456,7 +6456,7 @@
           <a:prstGeom prst="line">
             <a:avLst/>
           </a:prstGeom>
-          <a:ln w="1">
+          <a:ln w="12700">
             <a:solidFill>
               <a:srgbClr val="000000"/>
             </a:solidFill>
@@ -6491,7 +6491,7 @@
           <a:prstGeom prst="line">
             <a:avLst/>
           </a:prstGeom>
-          <a:ln w="1">
+          <a:ln w="12700">
             <a:solidFill>
               <a:srgbClr val="000000"/>
             </a:solidFill>
@@ -6527,7 +6527,7 @@
           <a:prstGeom prst="line">
             <a:avLst/>
           </a:prstGeom>
-          <a:ln w="1">
+          <a:ln w="12700">
             <a:solidFill>
               <a:srgbClr val="000000"/>
             </a:solidFill>
@@ -6562,7 +6562,7 @@
           <a:prstGeom prst="line">
             <a:avLst/>
           </a:prstGeom>
-          <a:ln w="1">
+          <a:ln w="12700">
             <a:solidFill>
               <a:srgbClr val="000000"/>
             </a:solidFill>
@@ -6597,7 +6597,7 @@
           <a:prstGeom prst="line">
             <a:avLst/>
           </a:prstGeom>
-          <a:ln w="1">
+          <a:ln w="12700">
             <a:solidFill>
               <a:srgbClr val="000000"/>
             </a:solidFill>
@@ -6632,7 +6632,7 @@
           <a:prstGeom prst="line">
             <a:avLst/>
           </a:prstGeom>
-          <a:ln w="1">
+          <a:ln w="12700">
             <a:solidFill>
               <a:srgbClr val="000000"/>
             </a:solidFill>
@@ -6667,7 +6667,7 @@
           <a:prstGeom prst="line">
             <a:avLst/>
           </a:prstGeom>
-          <a:ln w="1">
+          <a:ln w="12700">
             <a:solidFill>
               <a:srgbClr val="000000"/>
             </a:solidFill>
@@ -6703,7 +6703,7 @@
           <a:prstGeom prst="line">
             <a:avLst/>
           </a:prstGeom>
-          <a:ln w="1">
+          <a:ln w="12700">
             <a:solidFill>
               <a:srgbClr val="000000"/>
             </a:solidFill>
@@ -6738,7 +6738,7 @@
           <a:prstGeom prst="line">
             <a:avLst/>
           </a:prstGeom>
-          <a:ln w="1">
+          <a:ln w="12700">
             <a:solidFill>
               <a:srgbClr val="000000"/>
             </a:solidFill>
@@ -6774,7 +6774,7 @@
           <a:prstGeom prst="line">
             <a:avLst/>
           </a:prstGeom>
-          <a:ln w="1">
+          <a:ln w="12700">
             <a:solidFill>
               <a:srgbClr val="000000"/>
             </a:solidFill>
@@ -6809,7 +6809,7 @@
           <a:prstGeom prst="line">
             <a:avLst/>
           </a:prstGeom>
-          <a:ln w="1">
+          <a:ln w="12700">
             <a:solidFill>
               <a:srgbClr val="000000"/>
             </a:solidFill>
@@ -6844,7 +6844,7 @@
           <a:prstGeom prst="line">
             <a:avLst/>
           </a:prstGeom>
-          <a:ln w="1">
+          <a:ln w="12700">
             <a:solidFill>
               <a:srgbClr val="000000"/>
             </a:solidFill>
@@ -6912,7 +6912,7 @@
           <a:prstGeom prst="line">
             <a:avLst/>
           </a:prstGeom>
-          <a:ln w="1">
+          <a:ln w="12700">
             <a:solidFill>
               <a:srgbClr val="000000"/>
             </a:solidFill>
@@ -6947,7 +6947,7 @@
           <a:prstGeom prst="line">
             <a:avLst/>
           </a:prstGeom>
-          <a:ln w="1">
+          <a:ln w="12700">
             <a:solidFill>
               <a:srgbClr val="000000"/>
             </a:solidFill>
@@ -6983,7 +6983,7 @@
           <a:prstGeom prst="line">
             <a:avLst/>
           </a:prstGeom>
-          <a:ln w="1">
+          <a:ln w="12700">
             <a:solidFill>
               <a:srgbClr val="000000"/>
             </a:solidFill>
@@ -7018,7 +7018,7 @@
           <a:prstGeom prst="line">
             <a:avLst/>
           </a:prstGeom>
-          <a:ln w="1">
+          <a:ln w="12700">
             <a:solidFill>
               <a:srgbClr val="000000"/>
             </a:solidFill>
@@ -7053,7 +7053,7 @@
           <a:prstGeom prst="line">
             <a:avLst/>
           </a:prstGeom>
-          <a:ln w="1">
+          <a:ln w="12700">
             <a:solidFill>
               <a:srgbClr val="000000"/>
             </a:solidFill>
@@ -7088,7 +7088,7 @@
           <a:prstGeom prst="line">
             <a:avLst/>
           </a:prstGeom>
-          <a:ln w="1">
+          <a:ln w="12700">
             <a:solidFill>
               <a:srgbClr val="000000"/>
             </a:solidFill>
@@ -7123,7 +7123,7 @@
           <a:prstGeom prst="line">
             <a:avLst/>
           </a:prstGeom>
-          <a:ln w="1">
+          <a:ln w="12700">
             <a:solidFill>
               <a:srgbClr val="000000"/>
             </a:solidFill>
@@ -7159,7 +7159,7 @@
           <a:prstGeom prst="line">
             <a:avLst/>
           </a:prstGeom>
-          <a:ln w="1">
+          <a:ln w="12700">
             <a:solidFill>
               <a:srgbClr val="000000"/>
             </a:solidFill>
@@ -7194,7 +7194,7 @@
           <a:prstGeom prst="line">
             <a:avLst/>
           </a:prstGeom>
-          <a:ln w="1">
+          <a:ln w="12700">
             <a:solidFill>
               <a:srgbClr val="000000"/>
             </a:solidFill>
@@ -7230,7 +7230,7 @@
           <a:prstGeom prst="line">
             <a:avLst/>
           </a:prstGeom>
-          <a:ln w="1">
+          <a:ln w="12700">
             <a:solidFill>
               <a:srgbClr val="000000"/>
             </a:solidFill>
@@ -7265,7 +7265,7 @@
           <a:prstGeom prst="line">
             <a:avLst/>
           </a:prstGeom>
-          <a:ln w="1">
+          <a:ln w="12700">
             <a:solidFill>
               <a:srgbClr val="000000"/>
             </a:solidFill>
@@ -7300,7 +7300,7 @@
           <a:prstGeom prst="line">
             <a:avLst/>
           </a:prstGeom>
-          <a:ln w="1">
+          <a:ln w="12700">
             <a:solidFill>
               <a:srgbClr val="000000"/>
             </a:solidFill>
@@ -7368,7 +7368,7 @@
           <a:prstGeom prst="line">
             <a:avLst/>
           </a:prstGeom>
-          <a:ln w="1">
+          <a:ln w="12700">
             <a:solidFill>
               <a:srgbClr val="000000"/>
             </a:solidFill>
@@ -7403,7 +7403,7 @@
           <a:prstGeom prst="line">
             <a:avLst/>
           </a:prstGeom>
-          <a:ln w="1">
+          <a:ln w="12700">
             <a:solidFill>
               <a:srgbClr val="000000"/>
             </a:solidFill>
@@ -7439,7 +7439,7 @@
           <a:prstGeom prst="line">
             <a:avLst/>
           </a:prstGeom>
-          <a:ln w="1">
+          <a:ln w="12700">
             <a:solidFill>
               <a:srgbClr val="000000"/>
             </a:solidFill>
@@ -7474,7 +7474,7 @@
           <a:prstGeom prst="line">
             <a:avLst/>
           </a:prstGeom>
-          <a:ln w="1">
+          <a:ln w="12700">
             <a:solidFill>
               <a:srgbClr val="000000"/>
             </a:solidFill>
@@ -7509,7 +7509,7 @@
           <a:prstGeom prst="line">
             <a:avLst/>
           </a:prstGeom>
-          <a:ln w="1">
+          <a:ln w="12700">
             <a:solidFill>
               <a:srgbClr val="000000"/>
             </a:solidFill>
@@ -7544,7 +7544,7 @@
           <a:prstGeom prst="line">
             <a:avLst/>
           </a:prstGeom>
-          <a:ln w="1">
+          <a:ln w="12700">
             <a:solidFill>
               <a:srgbClr val="000000"/>
             </a:solidFill>
@@ -7579,7 +7579,7 @@
           <a:prstGeom prst="line">
             <a:avLst/>
           </a:prstGeom>
-          <a:ln w="1">
+          <a:ln w="12700">
             <a:solidFill>
               <a:srgbClr val="000000"/>
             </a:solidFill>
@@ -7615,7 +7615,7 @@
           <a:prstGeom prst="line">
             <a:avLst/>
           </a:prstGeom>
-          <a:ln w="1">
+          <a:ln w="12700">
             <a:solidFill>
               <a:srgbClr val="000000"/>
             </a:solidFill>
@@ -7650,7 +7650,7 @@
           <a:prstGeom prst="line">
             <a:avLst/>
           </a:prstGeom>
-          <a:ln w="1">
+          <a:ln w="12700">
             <a:solidFill>
               <a:srgbClr val="000000"/>
             </a:solidFill>
@@ -7686,7 +7686,7 @@
           <a:prstGeom prst="line">
             <a:avLst/>
           </a:prstGeom>
-          <a:ln w="1">
+          <a:ln w="12700">
             <a:solidFill>
               <a:srgbClr val="000000"/>
             </a:solidFill>
@@ -7721,7 +7721,7 @@
           <a:prstGeom prst="line">
             <a:avLst/>
           </a:prstGeom>
-          <a:ln w="1">
+          <a:ln w="12700">
             <a:solidFill>
               <a:srgbClr val="000000"/>
             </a:solidFill>
@@ -7756,7 +7756,7 @@
           <a:prstGeom prst="line">
             <a:avLst/>
           </a:prstGeom>
-          <a:ln w="1">
+          <a:ln w="12700">
             <a:solidFill>
               <a:srgbClr val="000000"/>
             </a:solidFill>
@@ -7824,7 +7824,7 @@
           <a:prstGeom prst="line">
             <a:avLst/>
           </a:prstGeom>
-          <a:ln w="1">
+          <a:ln w="12700">
             <a:solidFill>
               <a:srgbClr val="000000"/>
             </a:solidFill>
@@ -7859,7 +7859,7 @@
           <a:prstGeom prst="line">
             <a:avLst/>
           </a:prstGeom>
-          <a:ln w="1">
+          <a:ln w="12700">
             <a:solidFill>
               <a:srgbClr val="000000"/>
             </a:solidFill>
@@ -7895,7 +7895,7 @@
           <a:prstGeom prst="line">
             <a:avLst/>
           </a:prstGeom>
-          <a:ln w="1">
+          <a:ln w="12700">
             <a:solidFill>
               <a:srgbClr val="000000"/>
             </a:solidFill>
@@ -7930,7 +7930,7 @@
           <a:prstGeom prst="line">
             <a:avLst/>
           </a:prstGeom>
-          <a:ln w="1">
+          <a:ln w="12700">
             <a:solidFill>
               <a:srgbClr val="000000"/>
             </a:solidFill>
@@ -7965,7 +7965,7 @@
           <a:prstGeom prst="line">
             <a:avLst/>
           </a:prstGeom>
-          <a:ln w="1">
+          <a:ln w="12700">
             <a:solidFill>
               <a:srgbClr val="000000"/>
             </a:solidFill>
@@ -8000,7 +8000,7 @@
           <a:prstGeom prst="line">
             <a:avLst/>
           </a:prstGeom>
-          <a:ln w="1">
+          <a:ln w="12700">
             <a:solidFill>
               <a:srgbClr val="000000"/>
             </a:solidFill>
@@ -8035,7 +8035,7 @@
           <a:prstGeom prst="line">
             <a:avLst/>
           </a:prstGeom>
-          <a:ln w="1">
+          <a:ln w="12700">
             <a:solidFill>
               <a:srgbClr val="000000"/>
             </a:solidFill>
@@ -8071,7 +8071,7 @@
           <a:prstGeom prst="line">
             <a:avLst/>
           </a:prstGeom>
-          <a:ln w="1">
+          <a:ln w="12700">
             <a:solidFill>
               <a:srgbClr val="000000"/>
             </a:solidFill>
@@ -8106,7 +8106,7 @@
           <a:prstGeom prst="line">
             <a:avLst/>
           </a:prstGeom>
-          <a:ln w="1">
+          <a:ln w="12700">
             <a:solidFill>
               <a:srgbClr val="000000"/>
             </a:solidFill>
@@ -8142,7 +8142,7 @@
           <a:prstGeom prst="line">
             <a:avLst/>
           </a:prstGeom>
-          <a:ln w="1">
+          <a:ln w="12700">
             <a:solidFill>
               <a:srgbClr val="000000"/>
             </a:solidFill>
@@ -8177,7 +8177,7 @@
           <a:prstGeom prst="line">
             <a:avLst/>
           </a:prstGeom>
-          <a:ln w="1">
+          <a:ln w="12700">
             <a:solidFill>
               <a:srgbClr val="000000"/>
             </a:solidFill>
@@ -8212,7 +8212,7 @@
           <a:prstGeom prst="line">
             <a:avLst/>
           </a:prstGeom>
-          <a:ln w="1">
+          <a:ln w="12700">
             <a:solidFill>
               <a:srgbClr val="000000"/>
             </a:solidFill>
@@ -8280,7 +8280,7 @@
           <a:prstGeom prst="line">
             <a:avLst/>
           </a:prstGeom>
-          <a:ln w="1">
+          <a:ln w="12700">
             <a:solidFill>
               <a:srgbClr val="000000"/>
             </a:solidFill>
@@ -8315,7 +8315,7 @@
           <a:prstGeom prst="line">
             <a:avLst/>
           </a:prstGeom>
-          <a:ln w="1">
+          <a:ln w="12700">
             <a:solidFill>
               <a:srgbClr val="000000"/>
             </a:solidFill>
@@ -8351,7 +8351,7 @@
           <a:prstGeom prst="line">
             <a:avLst/>
           </a:prstGeom>
-          <a:ln w="1">
+          <a:ln w="12700">
             <a:solidFill>
               <a:srgbClr val="000000"/>
             </a:solidFill>
@@ -8386,7 +8386,7 @@
           <a:prstGeom prst="line">
             <a:avLst/>
           </a:prstGeom>
-          <a:ln w="1">
+          <a:ln w="12700">
             <a:solidFill>
               <a:srgbClr val="000000"/>
             </a:solidFill>
@@ -8421,7 +8421,7 @@
           <a:prstGeom prst="line">
             <a:avLst/>
           </a:prstGeom>
-          <a:ln w="1">
+          <a:ln w="12700">
             <a:solidFill>
               <a:srgbClr val="000000"/>
             </a:solidFill>
@@ -8456,7 +8456,7 @@
           <a:prstGeom prst="line">
             <a:avLst/>
           </a:prstGeom>
-          <a:ln w="1">
+          <a:ln w="12700">
             <a:solidFill>
               <a:srgbClr val="000000"/>
             </a:solidFill>
@@ -8491,7 +8491,7 @@
           <a:prstGeom prst="line">
             <a:avLst/>
           </a:prstGeom>
-          <a:ln w="1">
+          <a:ln w="12700">
             <a:solidFill>
               <a:srgbClr val="000000"/>
             </a:solidFill>
@@ -8527,7 +8527,7 @@
           <a:prstGeom prst="line">
             <a:avLst/>
           </a:prstGeom>
-          <a:ln w="1">
+          <a:ln w="12700">
             <a:solidFill>
               <a:srgbClr val="000000"/>
             </a:solidFill>
@@ -8562,7 +8562,7 @@
           <a:prstGeom prst="line">
             <a:avLst/>
           </a:prstGeom>
-          <a:ln w="1">
+          <a:ln w="12700">
             <a:solidFill>
               <a:srgbClr val="000000"/>
             </a:solidFill>
@@ -8598,7 +8598,7 @@
           <a:prstGeom prst="line">
             <a:avLst/>
           </a:prstGeom>
-          <a:ln w="1">
+          <a:ln w="12700">
             <a:solidFill>
               <a:srgbClr val="000000"/>
             </a:solidFill>
@@ -8633,7 +8633,7 @@
           <a:prstGeom prst="line">
             <a:avLst/>
           </a:prstGeom>
-          <a:ln w="1">
+          <a:ln w="12700">
             <a:solidFill>
               <a:srgbClr val="000000"/>
             </a:solidFill>
@@ -8668,7 +8668,7 @@
           <a:prstGeom prst="line">
             <a:avLst/>
           </a:prstGeom>
-          <a:ln w="1">
+          <a:ln w="12700">
             <a:solidFill>
               <a:srgbClr val="000000"/>
             </a:solidFill>
@@ -8736,7 +8736,7 @@
           <a:prstGeom prst="line">
             <a:avLst/>
           </a:prstGeom>
-          <a:ln w="1">
+          <a:ln w="12700">
             <a:solidFill>
               <a:srgbClr val="000000"/>
             </a:solidFill>
@@ -8771,7 +8771,7 @@
           <a:prstGeom prst="line">
             <a:avLst/>
           </a:prstGeom>
-          <a:ln w="1">
+          <a:ln w="12700">
             <a:solidFill>
               <a:srgbClr val="000000"/>
             </a:solidFill>
@@ -8807,7 +8807,7 @@
           <a:prstGeom prst="line">
             <a:avLst/>
           </a:prstGeom>
-          <a:ln w="1">
+          <a:ln w="12700">
             <a:solidFill>
               <a:srgbClr val="000000"/>
             </a:solidFill>
@@ -8842,7 +8842,7 @@
           <a:prstGeom prst="line">
             <a:avLst/>
           </a:prstGeom>
-          <a:ln w="1">
+          <a:ln w="12700">
             <a:solidFill>
               <a:srgbClr val="000000"/>
             </a:solidFill>
@@ -8877,7 +8877,7 @@
           <a:prstGeom prst="line">
             <a:avLst/>
           </a:prstGeom>
-          <a:ln w="1">
+          <a:ln w="12700">
             <a:solidFill>
               <a:srgbClr val="000000"/>
             </a:solidFill>
@@ -8912,7 +8912,7 @@
           <a:prstGeom prst="line">
             <a:avLst/>
           </a:prstGeom>
-          <a:ln w="1">
+          <a:ln w="12700">
             <a:solidFill>
               <a:srgbClr val="000000"/>
             </a:solidFill>
@@ -8947,7 +8947,7 @@
           <a:prstGeom prst="line">
             <a:avLst/>
           </a:prstGeom>
-          <a:ln w="1">
+          <a:ln w="12700">
             <a:solidFill>
               <a:srgbClr val="000000"/>
             </a:solidFill>
@@ -8983,7 +8983,7 @@
           <a:prstGeom prst="line">
             <a:avLst/>
           </a:prstGeom>
-          <a:ln w="1">
+          <a:ln w="12700">
             <a:solidFill>
               <a:srgbClr val="000000"/>
             </a:solidFill>
@@ -9018,7 +9018,7 @@
           <a:prstGeom prst="line">
             <a:avLst/>
           </a:prstGeom>
-          <a:ln w="1">
+          <a:ln w="12700">
             <a:solidFill>
               <a:srgbClr val="000000"/>
             </a:solidFill>
@@ -9054,7 +9054,7 @@
           <a:prstGeom prst="line">
             <a:avLst/>
           </a:prstGeom>
-          <a:ln w="1">
+          <a:ln w="12700">
             <a:solidFill>
               <a:srgbClr val="000000"/>
             </a:solidFill>
@@ -9089,7 +9089,7 @@
           <a:prstGeom prst="line">
             <a:avLst/>
           </a:prstGeom>
-          <a:ln w="1">
+          <a:ln w="12700">
             <a:solidFill>
               <a:srgbClr val="000000"/>
             </a:solidFill>
@@ -9124,7 +9124,7 @@
           <a:prstGeom prst="line">
             <a:avLst/>
           </a:prstGeom>
-          <a:ln w="1">
+          <a:ln w="12700">
             <a:solidFill>
               <a:srgbClr val="000000"/>
             </a:solidFill>
@@ -9192,7 +9192,7 @@
           <a:prstGeom prst="line">
             <a:avLst/>
           </a:prstGeom>
-          <a:ln w="1">
+          <a:ln w="12700">
             <a:solidFill>
               <a:srgbClr val="000000"/>
             </a:solidFill>
@@ -9227,7 +9227,7 @@
           <a:prstGeom prst="line">
             <a:avLst/>
           </a:prstGeom>
-          <a:ln w="1">
+          <a:ln w="12700">
             <a:solidFill>
               <a:srgbClr val="000000"/>
             </a:solidFill>
@@ -9263,7 +9263,7 @@
           <a:prstGeom prst="line">
             <a:avLst/>
           </a:prstGeom>
-          <a:ln w="1">
+          <a:ln w="12700">
             <a:solidFill>
               <a:srgbClr val="000000"/>
             </a:solidFill>
@@ -9298,7 +9298,7 @@
           <a:prstGeom prst="line">
             <a:avLst/>
           </a:prstGeom>
-          <a:ln w="1">
+          <a:ln w="12700">
             <a:solidFill>
               <a:srgbClr val="000000"/>
             </a:solidFill>
@@ -9333,7 +9333,7 @@
           <a:prstGeom prst="line">
             <a:avLst/>
           </a:prstGeom>
-          <a:ln w="1">
+          <a:ln w="12700">
             <a:solidFill>
               <a:srgbClr val="000000"/>
             </a:solidFill>
@@ -9368,7 +9368,7 @@
           <a:prstGeom prst="line">
             <a:avLst/>
           </a:prstGeom>
-          <a:ln w="1">
+          <a:ln w="12700">
             <a:solidFill>
               <a:srgbClr val="000000"/>
             </a:solidFill>
@@ -9403,7 +9403,7 @@
           <a:prstGeom prst="line">
             <a:avLst/>
           </a:prstGeom>
-          <a:ln w="1">
+          <a:ln w="12700">
             <a:solidFill>
               <a:srgbClr val="000000"/>
             </a:solidFill>
@@ -9439,7 +9439,7 @@
           <a:prstGeom prst="line">
             <a:avLst/>
           </a:prstGeom>
-          <a:ln w="1">
+          <a:ln w="12700">
             <a:solidFill>
               <a:srgbClr val="000000"/>
             </a:solidFill>
@@ -9474,7 +9474,7 @@
           <a:prstGeom prst="line">
             <a:avLst/>
           </a:prstGeom>
-          <a:ln w="1">
+          <a:ln w="12700">
             <a:solidFill>
               <a:srgbClr val="000000"/>
             </a:solidFill>
@@ -9510,7 +9510,7 @@
           <a:prstGeom prst="line">
             <a:avLst/>
           </a:prstGeom>
-          <a:ln w="1">
+          <a:ln w="12700">
             <a:solidFill>
               <a:srgbClr val="000000"/>
             </a:solidFill>
@@ -9545,7 +9545,7 @@
           <a:prstGeom prst="line">
             <a:avLst/>
           </a:prstGeom>
-          <a:ln w="1">
+          <a:ln w="12700">
             <a:solidFill>
               <a:srgbClr val="000000"/>
             </a:solidFill>
@@ -9580,7 +9580,7 @@
           <a:prstGeom prst="line">
             <a:avLst/>
           </a:prstGeom>
-          <a:ln w="1">
+          <a:ln w="12700">
             <a:solidFill>
               <a:srgbClr val="000000"/>
             </a:solidFill>
@@ -9648,7 +9648,7 @@
           <a:prstGeom prst="line">
             <a:avLst/>
           </a:prstGeom>
-          <a:ln w="1">
+          <a:ln w="12700">
             <a:solidFill>
               <a:srgbClr val="000000"/>
             </a:solidFill>
@@ -9683,7 +9683,7 @@
           <a:prstGeom prst="line">
             <a:avLst/>
           </a:prstGeom>
-          <a:ln w="1">
+          <a:ln w="12700">
             <a:solidFill>
               <a:srgbClr val="000000"/>
             </a:solidFill>
@@ -9719,7 +9719,7 @@
           <a:prstGeom prst="line">
             <a:avLst/>
           </a:prstGeom>
-          <a:ln w="1">
+          <a:ln w="12700">
             <a:solidFill>
               <a:srgbClr val="000000"/>
             </a:solidFill>
@@ -9754,7 +9754,7 @@
           <a:prstGeom prst="line">
             <a:avLst/>
           </a:prstGeom>
-          <a:ln w="1">
+          <a:ln w="12700">
             <a:solidFill>
               <a:srgbClr val="000000"/>
             </a:solidFill>
@@ -9789,7 +9789,7 @@
           <a:prstGeom prst="line">
             <a:avLst/>
           </a:prstGeom>
-          <a:ln w="1">
+          <a:ln w="12700">
             <a:solidFill>
               <a:srgbClr val="000000"/>
             </a:solidFill>
@@ -9824,7 +9824,7 @@
           <a:prstGeom prst="line">
             <a:avLst/>
           </a:prstGeom>
-          <a:ln w="1">
+          <a:ln w="12700">
             <a:solidFill>
               <a:srgbClr val="000000"/>
             </a:solidFill>
@@ -9859,7 +9859,7 @@
           <a:prstGeom prst="line">
             <a:avLst/>
           </a:prstGeom>
-          <a:ln w="1">
+          <a:ln w="12700">
             <a:solidFill>
               <a:srgbClr val="000000"/>
             </a:solidFill>
@@ -9895,7 +9895,7 @@
           <a:prstGeom prst="line">
             <a:avLst/>
           </a:prstGeom>
-          <a:ln w="1">
+          <a:ln w="12700">
             <a:solidFill>
               <a:srgbClr val="000000"/>
             </a:solidFill>
@@ -9930,7 +9930,7 @@
           <a:prstGeom prst="line">
             <a:avLst/>
           </a:prstGeom>
-          <a:ln w="1">
+          <a:ln w="12700">
             <a:solidFill>
               <a:srgbClr val="000000"/>
             </a:solidFill>
@@ -9966,7 +9966,7 @@
           <a:prstGeom prst="line">
             <a:avLst/>
           </a:prstGeom>
-          <a:ln w="1">
+          <a:ln w="12700">
             <a:solidFill>
               <a:srgbClr val="000000"/>
             </a:solidFill>
@@ -10001,7 +10001,7 @@
           <a:prstGeom prst="line">
             <a:avLst/>
           </a:prstGeom>
-          <a:ln w="1">
+          <a:ln w="12700">
             <a:solidFill>
               <a:srgbClr val="000000"/>
             </a:solidFill>
@@ -10036,7 +10036,7 @@
           <a:prstGeom prst="line">
             <a:avLst/>
           </a:prstGeom>
-          <a:ln w="1">
+          <a:ln w="12700">
             <a:solidFill>
               <a:srgbClr val="000000"/>
             </a:solidFill>
@@ -10104,7 +10104,7 @@
           <a:prstGeom prst="line">
             <a:avLst/>
           </a:prstGeom>
-          <a:ln w="1">
+          <a:ln w="12700">
             <a:solidFill>
               <a:srgbClr val="000000"/>
             </a:solidFill>
@@ -10139,7 +10139,7 @@
           <a:prstGeom prst="line">
             <a:avLst/>
           </a:prstGeom>
-          <a:ln w="1">
+          <a:ln w="12700">
             <a:solidFill>
               <a:srgbClr val="000000"/>
             </a:solidFill>
@@ -10175,7 +10175,7 @@
           <a:prstGeom prst="line">
             <a:avLst/>
           </a:prstGeom>
-          <a:ln w="1">
+          <a:ln w="12700">
             <a:solidFill>
               <a:srgbClr val="000000"/>
             </a:solidFill>
@@ -10210,7 +10210,7 @@
           <a:prstGeom prst="line">
             <a:avLst/>
           </a:prstGeom>
-          <a:ln w="1">
+          <a:ln w="12700">
             <a:solidFill>
               <a:srgbClr val="000000"/>
             </a:solidFill>
@@ -10245,7 +10245,7 @@
           <a:prstGeom prst="line">
             <a:avLst/>
           </a:prstGeom>
-          <a:ln w="1">
+          <a:ln w="12700">
             <a:solidFill>
               <a:srgbClr val="000000"/>
             </a:solidFill>
@@ -10280,7 +10280,7 @@
           <a:prstGeom prst="line">
             <a:avLst/>
           </a:prstGeom>
-          <a:ln w="1">
+          <a:ln w="12700">
             <a:solidFill>
               <a:srgbClr val="000000"/>
             </a:solidFill>
@@ -10315,7 +10315,7 @@
           <a:prstGeom prst="line">
             <a:avLst/>
           </a:prstGeom>
-          <a:ln w="1">
+          <a:ln w="12700">
             <a:solidFill>
               <a:srgbClr val="000000"/>
             </a:solidFill>
@@ -10351,7 +10351,7 @@
           <a:prstGeom prst="line">
             <a:avLst/>
           </a:prstGeom>
-          <a:ln w="1">
+          <a:ln w="12700">
             <a:solidFill>
               <a:srgbClr val="000000"/>
             </a:solidFill>
@@ -10386,7 +10386,7 @@
           <a:prstGeom prst="line">
             <a:avLst/>
           </a:prstGeom>
-          <a:ln w="1">
+          <a:ln w="12700">
             <a:solidFill>
               <a:srgbClr val="000000"/>
             </a:solidFill>
@@ -10422,7 +10422,7 @@
           <a:prstGeom prst="line">
             <a:avLst/>
           </a:prstGeom>
-          <a:ln w="1">
+          <a:ln w="12700">
             <a:solidFill>
               <a:srgbClr val="000000"/>
             </a:solidFill>
@@ -10457,7 +10457,7 @@
           <a:prstGeom prst="line">
             <a:avLst/>
           </a:prstGeom>
-          <a:ln w="1">
+          <a:ln w="12700">
             <a:solidFill>
               <a:srgbClr val="000000"/>
             </a:solidFill>
@@ -10492,7 +10492,7 @@
           <a:prstGeom prst="line">
             <a:avLst/>
           </a:prstGeom>
-          <a:ln w="1">
+          <a:ln w="12700">
             <a:solidFill>
               <a:srgbClr val="000000"/>
             </a:solidFill>
@@ -10560,7 +10560,7 @@
           <a:prstGeom prst="line">
             <a:avLst/>
           </a:prstGeom>
-          <a:ln w="1">
+          <a:ln w="12700">
             <a:solidFill>
               <a:srgbClr val="000000"/>
             </a:solidFill>
@@ -10595,7 +10595,7 @@
           <a:prstGeom prst="line">
             <a:avLst/>
           </a:prstGeom>
-          <a:ln w="1">
+          <a:ln w="12700">
             <a:solidFill>
               <a:srgbClr val="000000"/>
             </a:solidFill>
@@ -10631,7 +10631,7 @@
           <a:prstGeom prst="line">
             <a:avLst/>
           </a:prstGeom>
-          <a:ln w="1">
+          <a:ln w="12700">
             <a:solidFill>
               <a:srgbClr val="000000"/>
             </a:solidFill>
@@ -10666,7 +10666,7 @@
           <a:prstGeom prst="line">
             <a:avLst/>
           </a:prstGeom>
-          <a:ln w="1">
+          <a:ln w="12700">
             <a:solidFill>
               <a:srgbClr val="000000"/>
             </a:solidFill>
@@ -10701,7 +10701,7 @@
           <a:prstGeom prst="line">
             <a:avLst/>
           </a:prstGeom>
-          <a:ln w="1">
+          <a:ln w="12700">
             <a:solidFill>
               <a:srgbClr val="000000"/>
             </a:solidFill>
@@ -10736,7 +10736,7 @@
           <a:prstGeom prst="line">
             <a:avLst/>
           </a:prstGeom>
-          <a:ln w="1">
+          <a:ln w="12700">
             <a:solidFill>
               <a:srgbClr val="000000"/>
             </a:solidFill>
@@ -10771,7 +10771,7 @@
           <a:prstGeom prst="line">
             <a:avLst/>
           </a:prstGeom>
-          <a:ln w="1">
+          <a:ln w="12700">
             <a:solidFill>
               <a:srgbClr val="000000"/>
             </a:solidFill>
@@ -10807,7 +10807,7 @@
           <a:prstGeom prst="line">
             <a:avLst/>
           </a:prstGeom>
-          <a:ln w="1">
+          <a:ln w="12700">
             <a:solidFill>
               <a:srgbClr val="000000"/>
             </a:solidFill>
@@ -10842,7 +10842,7 @@
           <a:prstGeom prst="line">
             <a:avLst/>
           </a:prstGeom>
-          <a:ln w="1">
+          <a:ln w="12700">
             <a:solidFill>
               <a:srgbClr val="000000"/>
             </a:solidFill>
@@ -10878,7 +10878,7 @@
           <a:prstGeom prst="line">
             <a:avLst/>
           </a:prstGeom>
-          <a:ln w="1">
+          <a:ln w="12700">
             <a:solidFill>
               <a:srgbClr val="000000"/>
             </a:solidFill>
@@ -10913,7 +10913,7 @@
           <a:prstGeom prst="line">
             <a:avLst/>
           </a:prstGeom>
-          <a:ln w="1">
+          <a:ln w="12700">
             <a:solidFill>
               <a:srgbClr val="000000"/>
             </a:solidFill>
@@ -10948,7 +10948,7 @@
           <a:prstGeom prst="line">
             <a:avLst/>
           </a:prstGeom>
-          <a:ln w="1">
+          <a:ln w="12700">
             <a:solidFill>
               <a:srgbClr val="000000"/>
             </a:solidFill>
@@ -11016,7 +11016,7 @@
           <a:prstGeom prst="line">
             <a:avLst/>
           </a:prstGeom>
-          <a:ln w="1">
+          <a:ln w="12700">
             <a:solidFill>
               <a:srgbClr val="000000"/>
             </a:solidFill>
@@ -11051,7 +11051,7 @@
           <a:prstGeom prst="line">
             <a:avLst/>
           </a:prstGeom>
-          <a:ln w="1">
+          <a:ln w="12700">
             <a:solidFill>
               <a:srgbClr val="000000"/>
             </a:solidFill>
@@ -11087,7 +11087,7 @@
           <a:prstGeom prst="line">
             <a:avLst/>
           </a:prstGeom>
-          <a:ln w="1">
+          <a:ln w="12700">
             <a:solidFill>
               <a:srgbClr val="000000"/>
             </a:solidFill>
@@ -11122,7 +11122,7 @@
           <a:prstGeom prst="line">
             <a:avLst/>
           </a:prstGeom>
-          <a:ln w="1">
+          <a:ln w="12700">
             <a:solidFill>
               <a:srgbClr val="000000"/>
             </a:solidFill>
@@ -11157,7 +11157,7 @@
           <a:prstGeom prst="line">
             <a:avLst/>
           </a:prstGeom>
-          <a:ln w="1">
+          <a:ln w="12700">
             <a:solidFill>
               <a:srgbClr val="000000"/>
             </a:solidFill>
@@ -11192,7 +11192,7 @@
           <a:prstGeom prst="line">
             <a:avLst/>
           </a:prstGeom>
-          <a:ln w="1">
+          <a:ln w="12700">
             <a:solidFill>
               <a:srgbClr val="000000"/>
             </a:solidFill>
@@ -11227,7 +11227,7 @@
           <a:prstGeom prst="line">
             <a:avLst/>
           </a:prstGeom>
-          <a:ln w="1">
+          <a:ln w="12700">
             <a:solidFill>
               <a:srgbClr val="000000"/>
             </a:solidFill>
@@ -11263,7 +11263,7 @@
           <a:prstGeom prst="line">
             <a:avLst/>
           </a:prstGeom>
-          <a:ln w="1">
+          <a:ln w="12700">
             <a:solidFill>
               <a:srgbClr val="000000"/>
             </a:solidFill>
@@ -11298,7 +11298,7 @@
           <a:prstGeom prst="line">
             <a:avLst/>
           </a:prstGeom>
-          <a:ln w="1">
+          <a:ln w="12700">
             <a:solidFill>
               <a:srgbClr val="000000"/>
             </a:solidFill>
@@ -11334,7 +11334,7 @@
           <a:prstGeom prst="line">
             <a:avLst/>
           </a:prstGeom>
-          <a:ln w="1">
+          <a:ln w="12700">
             <a:solidFill>
               <a:srgbClr val="000000"/>
             </a:solidFill>
@@ -11369,7 +11369,7 @@
           <a:prstGeom prst="line">
             <a:avLst/>
           </a:prstGeom>
-          <a:ln w="1">
+          <a:ln w="12700">
             <a:solidFill>
               <a:srgbClr val="000000"/>
             </a:solidFill>
@@ -11404,7 +11404,7 @@
           <a:prstGeom prst="line">
             <a:avLst/>
           </a:prstGeom>
-          <a:ln w="1">
+          <a:ln w="12700">
             <a:solidFill>
               <a:srgbClr val="000000"/>
             </a:solidFill>
@@ -11472,7 +11472,7 @@
           <a:prstGeom prst="line">
             <a:avLst/>
           </a:prstGeom>
-          <a:ln w="1">
+          <a:ln w="12700">
             <a:solidFill>
               <a:srgbClr val="000000"/>
             </a:solidFill>
@@ -11507,7 +11507,7 @@
           <a:prstGeom prst="line">
             <a:avLst/>
           </a:prstGeom>
-          <a:ln w="1">
+          <a:ln w="12700">
             <a:solidFill>
               <a:srgbClr val="000000"/>
             </a:solidFill>
@@ -11543,7 +11543,7 @@
           <a:prstGeom prst="line">
             <a:avLst/>
           </a:prstGeom>
-          <a:ln w="1">
+          <a:ln w="12700">
             <a:solidFill>
               <a:srgbClr val="000000"/>
             </a:solidFill>
@@ -11578,7 +11578,7 @@
           <a:prstGeom prst="line">
             <a:avLst/>
           </a:prstGeom>
-          <a:ln w="1">
+          <a:ln w="12700">
             <a:solidFill>
               <a:srgbClr val="000000"/>
             </a:solidFill>
@@ -11613,7 +11613,7 @@
           <a:prstGeom prst="line">
             <a:avLst/>
           </a:prstGeom>
-          <a:ln w="1">
+          <a:ln w="12700">
             <a:solidFill>
               <a:srgbClr val="000000"/>
             </a:solidFill>
@@ -11648,7 +11648,7 @@
           <a:prstGeom prst="line">
             <a:avLst/>
           </a:prstGeom>
-          <a:ln w="1">
+          <a:ln w="12700">
             <a:solidFill>
               <a:srgbClr val="000000"/>
             </a:solidFill>
@@ -11683,7 +11683,7 @@
           <a:prstGeom prst="line">
             <a:avLst/>
           </a:prstGeom>
-          <a:ln w="1">
+          <a:ln w="12700">
             <a:solidFill>
               <a:srgbClr val="000000"/>
             </a:solidFill>
@@ -11719,7 +11719,7 @@
           <a:prstGeom prst="line">
             <a:avLst/>
           </a:prstGeom>
-          <a:ln w="1">
+          <a:ln w="12700">
             <a:solidFill>
               <a:srgbClr val="000000"/>
             </a:solidFill>
@@ -11754,7 +11754,7 @@
           <a:prstGeom prst="line">
             <a:avLst/>
           </a:prstGeom>
-          <a:ln w="1">
+          <a:ln w="12700">
             <a:solidFill>
               <a:srgbClr val="000000"/>
             </a:solidFill>
@@ -11790,7 +11790,7 @@
           <a:prstGeom prst="line">
             <a:avLst/>
           </a:prstGeom>
-          <a:ln w="1">
+          <a:ln w="12700">
             <a:solidFill>
               <a:srgbClr val="000000"/>
             </a:solidFill>
@@ -11825,7 +11825,7 @@
           <a:prstGeom prst="line">
             <a:avLst/>
           </a:prstGeom>
-          <a:ln w="1">
+          <a:ln w="12700">
             <a:solidFill>
               <a:srgbClr val="000000"/>
             </a:solidFill>
@@ -11860,7 +11860,7 @@
           <a:prstGeom prst="line">
             <a:avLst/>
           </a:prstGeom>
-          <a:ln w="1">
+          <a:ln w="12700">
             <a:solidFill>
               <a:srgbClr val="000000"/>
             </a:solidFill>
@@ -11928,7 +11928,7 @@
           <a:prstGeom prst="line">
             <a:avLst/>
           </a:prstGeom>
-          <a:ln w="1">
+          <a:ln w="12700">
             <a:solidFill>
               <a:srgbClr val="000000"/>
             </a:solidFill>
@@ -11963,7 +11963,7 @@
           <a:prstGeom prst="line">
             <a:avLst/>
           </a:prstGeom>
-          <a:ln w="1">
+          <a:ln w="12700">
             <a:solidFill>
               <a:srgbClr val="000000"/>
             </a:solidFill>
@@ -11998,7 +11998,7 @@
           <a:prstGeom prst="line">
             <a:avLst/>
           </a:prstGeom>
-          <a:ln w="1">
+          <a:ln w="12700">
             <a:solidFill>
               <a:srgbClr val="000000"/>
             </a:solidFill>
@@ -12033,7 +12033,7 @@
           <a:prstGeom prst="line">
             <a:avLst/>
           </a:prstGeom>
-          <a:ln w="1">
+          <a:ln w="12700">
             <a:solidFill>
               <a:srgbClr val="000000"/>
             </a:solidFill>
@@ -12101,7 +12101,7 @@
           <a:prstGeom prst="line">
             <a:avLst/>
           </a:prstGeom>
-          <a:ln w="1">
+          <a:ln w="12700">
             <a:solidFill>
               <a:srgbClr val="000000"/>
             </a:solidFill>
@@ -12136,7 +12136,7 @@
           <a:prstGeom prst="line">
             <a:avLst/>
           </a:prstGeom>
-          <a:ln w="1">
+          <a:ln w="12700">
             <a:solidFill>
               <a:srgbClr val="000000"/>
             </a:solidFill>
@@ -12171,7 +12171,7 @@
           <a:prstGeom prst="line">
             <a:avLst/>
           </a:prstGeom>
-          <a:ln w="1">
+          <a:ln w="12700">
             <a:solidFill>
               <a:srgbClr val="000000"/>
             </a:solidFill>
@@ -12206,7 +12206,7 @@
           <a:prstGeom prst="line">
             <a:avLst/>
           </a:prstGeom>
-          <a:ln w="1">
+          <a:ln w="12700">
             <a:solidFill>
               <a:srgbClr val="000000"/>
             </a:solidFill>
@@ -12274,7 +12274,7 @@
           <a:prstGeom prst="line">
             <a:avLst/>
           </a:prstGeom>
-          <a:ln w="1">
+          <a:ln w="12700">
             <a:solidFill>
               <a:srgbClr val="000000"/>
             </a:solidFill>
@@ -12309,7 +12309,7 @@
           <a:prstGeom prst="line">
             <a:avLst/>
           </a:prstGeom>
-          <a:ln w="1">
+          <a:ln w="12700">
             <a:solidFill>
               <a:srgbClr val="000000"/>
             </a:solidFill>
@@ -12344,7 +12344,7 @@
           <a:prstGeom prst="line">
             <a:avLst/>
           </a:prstGeom>
-          <a:ln w="1">
+          <a:ln w="12700">
             <a:solidFill>
               <a:srgbClr val="000000"/>
             </a:solidFill>
@@ -12379,7 +12379,7 @@
           <a:prstGeom prst="line">
             <a:avLst/>
           </a:prstGeom>
-          <a:ln w="1">
+          <a:ln w="12700">
             <a:solidFill>
               <a:srgbClr val="000000"/>
             </a:solidFill>
@@ -12447,7 +12447,7 @@
           <a:prstGeom prst="line">
             <a:avLst/>
           </a:prstGeom>
-          <a:ln w="1">
+          <a:ln w="12700">
             <a:solidFill>
               <a:srgbClr val="000000"/>
             </a:solidFill>
@@ -12482,7 +12482,7 @@
           <a:prstGeom prst="line">
             <a:avLst/>
           </a:prstGeom>
-          <a:ln w="1">
+          <a:ln w="12700">
             <a:solidFill>
               <a:srgbClr val="000000"/>
             </a:solidFill>
@@ -12517,7 +12517,7 @@
           <a:prstGeom prst="line">
             <a:avLst/>
           </a:prstGeom>
-          <a:ln w="1">
+          <a:ln w="12700">
             <a:solidFill>
               <a:srgbClr val="000000"/>
             </a:solidFill>
@@ -12552,7 +12552,7 @@
           <a:prstGeom prst="line">
             <a:avLst/>
           </a:prstGeom>
-          <a:ln w="1">
+          <a:ln w="12700">
             <a:solidFill>
               <a:srgbClr val="000000"/>
             </a:solidFill>
@@ -12620,7 +12620,7 @@
           <a:prstGeom prst="line">
             <a:avLst/>
           </a:prstGeom>
-          <a:ln w="1">
+          <a:ln w="12700">
             <a:solidFill>
               <a:srgbClr val="0000FF"/>
             </a:solidFill>
@@ -12655,7 +12655,7 @@
           <a:prstGeom prst="line">
             <a:avLst/>
           </a:prstGeom>
-          <a:ln w="1">
+          <a:ln w="12700">
             <a:solidFill>
               <a:srgbClr val="0000FF"/>
             </a:solidFill>
@@ -12691,7 +12691,7 @@
           <a:prstGeom prst="line">
             <a:avLst/>
           </a:prstGeom>
-          <a:ln w="1">
+          <a:ln w="12700">
             <a:solidFill>
               <a:srgbClr val="0000FF"/>
             </a:solidFill>
@@ -12726,7 +12726,7 @@
           <a:prstGeom prst="line">
             <a:avLst/>
           </a:prstGeom>
-          <a:ln w="1">
+          <a:ln w="12700">
             <a:solidFill>
               <a:srgbClr val="0000FF"/>
             </a:solidFill>
@@ -12761,7 +12761,7 @@
           <a:prstGeom prst="line">
             <a:avLst/>
           </a:prstGeom>
-          <a:ln w="1">
+          <a:ln w="12700">
             <a:solidFill>
               <a:srgbClr val="0000FF"/>
             </a:solidFill>
@@ -12796,7 +12796,7 @@
           <a:prstGeom prst="line">
             <a:avLst/>
           </a:prstGeom>
-          <a:ln w="1">
+          <a:ln w="12700">
             <a:solidFill>
               <a:srgbClr val="0000FF"/>
             </a:solidFill>
@@ -12831,7 +12831,7 @@
           <a:prstGeom prst="line">
             <a:avLst/>
           </a:prstGeom>
-          <a:ln w="1">
+          <a:ln w="12700">
             <a:solidFill>
               <a:srgbClr val="0000FF"/>
             </a:solidFill>
@@ -12867,7 +12867,7 @@
           <a:prstGeom prst="line">
             <a:avLst/>
           </a:prstGeom>
-          <a:ln w="1">
+          <a:ln w="12700">
             <a:solidFill>
               <a:srgbClr val="0000FF"/>
             </a:solidFill>
@@ -12902,7 +12902,7 @@
           <a:prstGeom prst="line">
             <a:avLst/>
           </a:prstGeom>
-          <a:ln w="1">
+          <a:ln w="12700">
             <a:solidFill>
               <a:srgbClr val="0000FF"/>
             </a:solidFill>
@@ -12938,7 +12938,7 @@
           <a:prstGeom prst="line">
             <a:avLst/>
           </a:prstGeom>
-          <a:ln w="1">
+          <a:ln w="12700">
             <a:solidFill>
               <a:srgbClr val="0000FF"/>
             </a:solidFill>
@@ -12973,7 +12973,7 @@
           <a:prstGeom prst="line">
             <a:avLst/>
           </a:prstGeom>
-          <a:ln w="1">
+          <a:ln w="12700">
             <a:solidFill>
               <a:srgbClr val="0000FF"/>
             </a:solidFill>
@@ -13008,7 +13008,7 @@
           <a:prstGeom prst="line">
             <a:avLst/>
           </a:prstGeom>
-          <a:ln w="1">
+          <a:ln w="12700">
             <a:solidFill>
               <a:srgbClr val="0000FF"/>
             </a:solidFill>
@@ -13043,7 +13043,7 @@
           <a:prstGeom prst="line">
             <a:avLst/>
           </a:prstGeom>
-          <a:ln w="1">
+          <a:ln w="12700">
             <a:solidFill>
               <a:srgbClr val="0000FF"/>
             </a:solidFill>
@@ -13078,7 +13078,7 @@
           <a:prstGeom prst="line">
             <a:avLst/>
           </a:prstGeom>
-          <a:ln w="1">
+          <a:ln w="12700">
             <a:solidFill>
               <a:srgbClr val="0000FF"/>
             </a:solidFill>
@@ -13179,7 +13179,7 @@
           <a:prstGeom prst="line">
             <a:avLst/>
           </a:prstGeom>
-          <a:ln w="1">
+          <a:ln w="12700">
             <a:solidFill>
               <a:srgbClr val="0000FF"/>
             </a:solidFill>
@@ -13214,7 +13214,7 @@
           <a:prstGeom prst="line">
             <a:avLst/>
           </a:prstGeom>
-          <a:ln w="1">
+          <a:ln w="12700">
             <a:solidFill>
               <a:srgbClr val="0000FF"/>
             </a:solidFill>
@@ -13250,7 +13250,7 @@
           <a:prstGeom prst="line">
             <a:avLst/>
           </a:prstGeom>
-          <a:ln w="1">
+          <a:ln w="12700">
             <a:solidFill>
               <a:srgbClr val="0000FF"/>
             </a:solidFill>
@@ -13285,7 +13285,7 @@
           <a:prstGeom prst="line">
             <a:avLst/>
           </a:prstGeom>
-          <a:ln w="1">
+          <a:ln w="12700">
             <a:solidFill>
               <a:srgbClr val="0000FF"/>
             </a:solidFill>
@@ -13320,7 +13320,7 @@
           <a:prstGeom prst="line">
             <a:avLst/>
           </a:prstGeom>
-          <a:ln w="1">
+          <a:ln w="12700">
             <a:solidFill>
               <a:srgbClr val="0000FF"/>
             </a:solidFill>
@@ -13355,7 +13355,7 @@
           <a:prstGeom prst="line">
             <a:avLst/>
           </a:prstGeom>
-          <a:ln w="1">
+          <a:ln w="12700">
             <a:solidFill>
               <a:srgbClr val="0000FF"/>
             </a:solidFill>
@@ -13390,7 +13390,7 @@
           <a:prstGeom prst="line">
             <a:avLst/>
           </a:prstGeom>
-          <a:ln w="1">
+          <a:ln w="12700">
             <a:solidFill>
               <a:srgbClr val="0000FF"/>
             </a:solidFill>
@@ -13426,7 +13426,7 @@
           <a:prstGeom prst="line">
             <a:avLst/>
           </a:prstGeom>
-          <a:ln w="1">
+          <a:ln w="12700">
             <a:solidFill>
               <a:srgbClr val="0000FF"/>
             </a:solidFill>
@@ -13461,7 +13461,7 @@
           <a:prstGeom prst="line">
             <a:avLst/>
           </a:prstGeom>
-          <a:ln w="1">
+          <a:ln w="12700">
             <a:solidFill>
               <a:srgbClr val="0000FF"/>
             </a:solidFill>
@@ -13497,7 +13497,7 @@
           <a:prstGeom prst="line">
             <a:avLst/>
           </a:prstGeom>
-          <a:ln w="1">
+          <a:ln w="12700">
             <a:solidFill>
               <a:srgbClr val="0000FF"/>
             </a:solidFill>
@@ -13532,7 +13532,7 @@
           <a:prstGeom prst="line">
             <a:avLst/>
           </a:prstGeom>
-          <a:ln w="1">
+          <a:ln w="12700">
             <a:solidFill>
               <a:srgbClr val="0000FF"/>
             </a:solidFill>
@@ -13567,7 +13567,7 @@
           <a:prstGeom prst="line">
             <a:avLst/>
           </a:prstGeom>
-          <a:ln w="1">
+          <a:ln w="12700">
             <a:solidFill>
               <a:srgbClr val="0000FF"/>
             </a:solidFill>
@@ -13602,7 +13602,7 @@
           <a:prstGeom prst="line">
             <a:avLst/>
           </a:prstGeom>
-          <a:ln w="1">
+          <a:ln w="12700">
             <a:solidFill>
               <a:srgbClr val="0000FF"/>
             </a:solidFill>
@@ -13637,7 +13637,7 @@
           <a:prstGeom prst="line">
             <a:avLst/>
           </a:prstGeom>
-          <a:ln w="1">
+          <a:ln w="12700">
             <a:solidFill>
               <a:srgbClr val="0000FF"/>
             </a:solidFill>
@@ -13738,7 +13738,7 @@
           <a:prstGeom prst="line">
             <a:avLst/>
           </a:prstGeom>
-          <a:ln w="1">
+          <a:ln w="12700">
             <a:solidFill>
               <a:srgbClr val="0000FF"/>
             </a:solidFill>
@@ -13773,7 +13773,7 @@
           <a:prstGeom prst="line">
             <a:avLst/>
           </a:prstGeom>
-          <a:ln w="1">
+          <a:ln w="12700">
             <a:solidFill>
               <a:srgbClr val="0000FF"/>
             </a:solidFill>
@@ -13809,7 +13809,7 @@
           <a:prstGeom prst="line">
             <a:avLst/>
           </a:prstGeom>
-          <a:ln w="1">
+          <a:ln w="12700">
             <a:solidFill>
               <a:srgbClr val="0000FF"/>
             </a:solidFill>
@@ -13844,7 +13844,7 @@
           <a:prstGeom prst="line">
             <a:avLst/>
           </a:prstGeom>
-          <a:ln w="1">
+          <a:ln w="12700">
             <a:solidFill>
               <a:srgbClr val="0000FF"/>
             </a:solidFill>
@@ -13879,7 +13879,7 @@
           <a:prstGeom prst="line">
             <a:avLst/>
           </a:prstGeom>
-          <a:ln w="1">
+          <a:ln w="12700">
             <a:solidFill>
               <a:srgbClr val="0000FF"/>
             </a:solidFill>
@@ -13914,7 +13914,7 @@
           <a:prstGeom prst="line">
             <a:avLst/>
           </a:prstGeom>
-          <a:ln w="1">
+          <a:ln w="12700">
             <a:solidFill>
               <a:srgbClr val="0000FF"/>
             </a:solidFill>
@@ -13949,7 +13949,7 @@
           <a:prstGeom prst="line">
             <a:avLst/>
           </a:prstGeom>
-          <a:ln w="1">
+          <a:ln w="12700">
             <a:solidFill>
               <a:srgbClr val="0000FF"/>
             </a:solidFill>
@@ -13985,7 +13985,7 @@
           <a:prstGeom prst="line">
             <a:avLst/>
           </a:prstGeom>
-          <a:ln w="1">
+          <a:ln w="12700">
             <a:solidFill>
               <a:srgbClr val="0000FF"/>
             </a:solidFill>
@@ -14020,7 +14020,7 @@
           <a:prstGeom prst="line">
             <a:avLst/>
           </a:prstGeom>
-          <a:ln w="1">
+          <a:ln w="12700">
             <a:solidFill>
               <a:srgbClr val="0000FF"/>
             </a:solidFill>
@@ -14056,7 +14056,7 @@
           <a:prstGeom prst="line">
             <a:avLst/>
           </a:prstGeom>
-          <a:ln w="1">
+          <a:ln w="12700">
             <a:solidFill>
               <a:srgbClr val="0000FF"/>
             </a:solidFill>
@@ -14091,7 +14091,7 @@
           <a:prstGeom prst="line">
             <a:avLst/>
           </a:prstGeom>
-          <a:ln w="1">
+          <a:ln w="12700">
             <a:solidFill>
               <a:srgbClr val="0000FF"/>
             </a:solidFill>
@@ -14126,7 +14126,7 @@
           <a:prstGeom prst="line">
             <a:avLst/>
           </a:prstGeom>
-          <a:ln w="1">
+          <a:ln w="12700">
             <a:solidFill>
               <a:srgbClr val="0000FF"/>
             </a:solidFill>
@@ -14161,7 +14161,7 @@
           <a:prstGeom prst="line">
             <a:avLst/>
           </a:prstGeom>
-          <a:ln w="1">
+          <a:ln w="12700">
             <a:solidFill>
               <a:srgbClr val="0000FF"/>
             </a:solidFill>
@@ -14196,7 +14196,7 @@
           <a:prstGeom prst="line">
             <a:avLst/>
           </a:prstGeom>
-          <a:ln w="1">
+          <a:ln w="12700">
             <a:solidFill>
               <a:srgbClr val="0000FF"/>
             </a:solidFill>
@@ -14297,7 +14297,7 @@
           <a:prstGeom prst="line">
             <a:avLst/>
           </a:prstGeom>
-          <a:ln w="1">
+          <a:ln w="12700">
             <a:solidFill>
               <a:srgbClr val="0000FF"/>
             </a:solidFill>
@@ -14332,7 +14332,7 @@
           <a:prstGeom prst="line">
             <a:avLst/>
           </a:prstGeom>
-          <a:ln w="1">
+          <a:ln w="12700">
             <a:solidFill>
               <a:srgbClr val="0000FF"/>
             </a:solidFill>
@@ -14368,7 +14368,7 @@
           <a:prstGeom prst="line">
             <a:avLst/>
           </a:prstGeom>
-          <a:ln w="1">
+          <a:ln w="12700">
             <a:solidFill>
               <a:srgbClr val="0000FF"/>
             </a:solidFill>
@@ -14403,7 +14403,7 @@
           <a:prstGeom prst="line">
             <a:avLst/>
           </a:prstGeom>
-          <a:ln w="1">
+          <a:ln w="12700">
             <a:solidFill>
               <a:srgbClr val="0000FF"/>
             </a:solidFill>
@@ -14438,7 +14438,7 @@
           <a:prstGeom prst="line">
             <a:avLst/>
           </a:prstGeom>
-          <a:ln w="1">
+          <a:ln w="12700">
             <a:solidFill>
               <a:srgbClr val="0000FF"/>
             </a:solidFill>
@@ -14473,7 +14473,7 @@
           <a:prstGeom prst="line">
             <a:avLst/>
           </a:prstGeom>
-          <a:ln w="1">
+          <a:ln w="12700">
             <a:solidFill>
               <a:srgbClr val="0000FF"/>
             </a:solidFill>
@@ -14508,7 +14508,7 @@
           <a:prstGeom prst="line">
             <a:avLst/>
           </a:prstGeom>
-          <a:ln w="1">
+          <a:ln w="12700">
             <a:solidFill>
               <a:srgbClr val="0000FF"/>
             </a:solidFill>
@@ -14544,7 +14544,7 @@
           <a:prstGeom prst="line">
             <a:avLst/>
           </a:prstGeom>
-          <a:ln w="1">
+          <a:ln w="12700">
             <a:solidFill>
               <a:srgbClr val="0000FF"/>
             </a:solidFill>
@@ -14579,7 +14579,7 @@
           <a:prstGeom prst="line">
             <a:avLst/>
           </a:prstGeom>
-          <a:ln w="1">
+          <a:ln w="12700">
             <a:solidFill>
               <a:srgbClr val="0000FF"/>
             </a:solidFill>
@@ -14615,7 +14615,7 @@
           <a:prstGeom prst="line">
             <a:avLst/>
           </a:prstGeom>
-          <a:ln w="1">
+          <a:ln w="12700">
             <a:solidFill>
               <a:srgbClr val="0000FF"/>
             </a:solidFill>
@@ -14650,7 +14650,7 @@
           <a:prstGeom prst="line">
             <a:avLst/>
           </a:prstGeom>
-          <a:ln w="1">
+          <a:ln w="12700">
             <a:solidFill>
               <a:srgbClr val="0000FF"/>
             </a:solidFill>
@@ -14685,7 +14685,7 @@
           <a:prstGeom prst="line">
             <a:avLst/>
           </a:prstGeom>
-          <a:ln w="1">
+          <a:ln w="12700">
             <a:solidFill>
               <a:srgbClr val="0000FF"/>
             </a:solidFill>
@@ -14720,7 +14720,7 @@
           <a:prstGeom prst="line">
             <a:avLst/>
           </a:prstGeom>
-          <a:ln w="1">
+          <a:ln w="12700">
             <a:solidFill>
               <a:srgbClr val="0000FF"/>
             </a:solidFill>
@@ -14755,7 +14755,7 @@
           <a:prstGeom prst="line">
             <a:avLst/>
           </a:prstGeom>
-          <a:ln w="1">
+          <a:ln w="12700">
             <a:solidFill>
               <a:srgbClr val="0000FF"/>
             </a:solidFill>
@@ -14856,7 +14856,7 @@
           <a:prstGeom prst="line">
             <a:avLst/>
           </a:prstGeom>
-          <a:ln w="1">
+          <a:ln w="12700">
             <a:solidFill>
               <a:srgbClr val="0000FF"/>
             </a:solidFill>
@@ -14891,7 +14891,7 @@
           <a:prstGeom prst="line">
             <a:avLst/>
           </a:prstGeom>
-          <a:ln w="1">
+          <a:ln w="12700">
             <a:solidFill>
               <a:srgbClr val="0000FF"/>
             </a:solidFill>
@@ -14927,7 +14927,7 @@
           <a:prstGeom prst="line">
             <a:avLst/>
           </a:prstGeom>
-          <a:ln w="1">
+          <a:ln w="12700">
             <a:solidFill>
               <a:srgbClr val="0000FF"/>
             </a:solidFill>
@@ -14962,7 +14962,7 @@
           <a:prstGeom prst="line">
             <a:avLst/>
           </a:prstGeom>
-          <a:ln w="1">
+          <a:ln w="12700">
             <a:solidFill>
               <a:srgbClr val="0000FF"/>
             </a:solidFill>
@@ -14997,7 +14997,7 @@
           <a:prstGeom prst="line">
             <a:avLst/>
           </a:prstGeom>
-          <a:ln w="1">
+          <a:ln w="12700">
             <a:solidFill>
               <a:srgbClr val="0000FF"/>
             </a:solidFill>
@@ -15032,7 +15032,7 @@
           <a:prstGeom prst="line">
             <a:avLst/>
           </a:prstGeom>
-          <a:ln w="1">
+          <a:ln w="12700">
             <a:solidFill>
               <a:srgbClr val="0000FF"/>
             </a:solidFill>
@@ -15067,7 +15067,7 @@
           <a:prstGeom prst="line">
             <a:avLst/>
           </a:prstGeom>
-          <a:ln w="1">
+          <a:ln w="12700">
             <a:solidFill>
               <a:srgbClr val="0000FF"/>
             </a:solidFill>
@@ -15103,7 +15103,7 @@
           <a:prstGeom prst="line">
             <a:avLst/>
           </a:prstGeom>
-          <a:ln w="1">
+          <a:ln w="12700">
             <a:solidFill>
               <a:srgbClr val="0000FF"/>
             </a:solidFill>
@@ -15138,7 +15138,7 @@
           <a:prstGeom prst="line">
             <a:avLst/>
           </a:prstGeom>
-          <a:ln w="1">
+          <a:ln w="12700">
             <a:solidFill>
               <a:srgbClr val="0000FF"/>
             </a:solidFill>
@@ -15174,7 +15174,7 @@
           <a:prstGeom prst="line">
             <a:avLst/>
           </a:prstGeom>
-          <a:ln w="1">
+          <a:ln w="12700">
             <a:solidFill>
               <a:srgbClr val="0000FF"/>
             </a:solidFill>
@@ -15209,7 +15209,7 @@
           <a:prstGeom prst="line">
             <a:avLst/>
           </a:prstGeom>
-          <a:ln w="1">
+          <a:ln w="12700">
             <a:solidFill>
               <a:srgbClr val="0000FF"/>
             </a:solidFill>
@@ -15244,7 +15244,7 @@
           <a:prstGeom prst="line">
             <a:avLst/>
           </a:prstGeom>
-          <a:ln w="1">
+          <a:ln w="12700">
             <a:solidFill>
               <a:srgbClr val="0000FF"/>
             </a:solidFill>
@@ -15279,7 +15279,7 @@
           <a:prstGeom prst="line">
             <a:avLst/>
           </a:prstGeom>
-          <a:ln w="1">
+          <a:ln w="12700">
             <a:solidFill>
               <a:srgbClr val="0000FF"/>
             </a:solidFill>
@@ -15314,7 +15314,7 @@
           <a:prstGeom prst="line">
             <a:avLst/>
           </a:prstGeom>
-          <a:ln w="1">
+          <a:ln w="12700">
             <a:solidFill>
               <a:srgbClr val="0000FF"/>
             </a:solidFill>
@@ -15415,7 +15415,7 @@
           <a:prstGeom prst="line">
             <a:avLst/>
           </a:prstGeom>
-          <a:ln w="1">
+          <a:ln w="12700">
             <a:solidFill>
               <a:srgbClr val="0000FF"/>
             </a:solidFill>
@@ -15450,7 +15450,7 @@
           <a:prstGeom prst="line">
             <a:avLst/>
           </a:prstGeom>
-          <a:ln w="1">
+          <a:ln w="12700">
             <a:solidFill>
               <a:srgbClr val="0000FF"/>
             </a:solidFill>
@@ -15486,7 +15486,7 @@
           <a:prstGeom prst="line">
             <a:avLst/>
           </a:prstGeom>
-          <a:ln w="1">
+          <a:ln w="12700">
             <a:solidFill>
               <a:srgbClr val="0000FF"/>
             </a:solidFill>
@@ -15521,7 +15521,7 @@
           <a:prstGeom prst="line">
             <a:avLst/>
           </a:prstGeom>
-          <a:ln w="1">
+          <a:ln w="12700">
             <a:solidFill>
               <a:srgbClr val="0000FF"/>
             </a:solidFill>
@@ -15556,7 +15556,7 @@
           <a:prstGeom prst="line">
             <a:avLst/>
           </a:prstGeom>
-          <a:ln w="1">
+          <a:ln w="12700">
             <a:solidFill>
               <a:srgbClr val="0000FF"/>
             </a:solidFill>
@@ -15591,7 +15591,7 @@
           <a:prstGeom prst="line">
             <a:avLst/>
           </a:prstGeom>
-          <a:ln w="1">
+          <a:ln w="12700">
             <a:solidFill>
               <a:srgbClr val="0000FF"/>
             </a:solidFill>
@@ -15626,7 +15626,7 @@
           <a:prstGeom prst="line">
             <a:avLst/>
           </a:prstGeom>
-          <a:ln w="1">
+          <a:ln w="12700">
             <a:solidFill>
               <a:srgbClr val="0000FF"/>
             </a:solidFill>
@@ -15662,7 +15662,7 @@
           <a:prstGeom prst="line">
             <a:avLst/>
           </a:prstGeom>
-          <a:ln w="1">
+          <a:ln w="12700">
             <a:solidFill>
               <a:srgbClr val="0000FF"/>
             </a:solidFill>
@@ -15697,7 +15697,7 @@
           <a:prstGeom prst="line">
             <a:avLst/>
           </a:prstGeom>
-          <a:ln w="1">
+          <a:ln w="12700">
             <a:solidFill>
               <a:srgbClr val="0000FF"/>
             </a:solidFill>
@@ -15733,7 +15733,7 @@
           <a:prstGeom prst="line">
             <a:avLst/>
           </a:prstGeom>
-          <a:ln w="1">
+          <a:ln w="12700">
             <a:solidFill>
               <a:srgbClr val="0000FF"/>
             </a:solidFill>
@@ -15768,7 +15768,7 @@
           <a:prstGeom prst="line">
             <a:avLst/>
           </a:prstGeom>
-          <a:ln w="1">
+          <a:ln w="12700">
             <a:solidFill>
               <a:srgbClr val="0000FF"/>
             </a:solidFill>
@@ -15803,7 +15803,7 @@
           <a:prstGeom prst="line">
             <a:avLst/>
           </a:prstGeom>
-          <a:ln w="1">
+          <a:ln w="12700">
             <a:solidFill>
               <a:srgbClr val="0000FF"/>
             </a:solidFill>
@@ -15838,7 +15838,7 @@
           <a:prstGeom prst="line">
             <a:avLst/>
           </a:prstGeom>
-          <a:ln w="1">
+          <a:ln w="12700">
             <a:solidFill>
               <a:srgbClr val="0000FF"/>
             </a:solidFill>
@@ -15873,7 +15873,7 @@
           <a:prstGeom prst="line">
             <a:avLst/>
           </a:prstGeom>
-          <a:ln w="1">
+          <a:ln w="12700">
             <a:solidFill>
               <a:srgbClr val="0000FF"/>
             </a:solidFill>
@@ -15974,7 +15974,7 @@
           <a:prstGeom prst="line">
             <a:avLst/>
           </a:prstGeom>
-          <a:ln w="1">
+          <a:ln w="12700">
             <a:solidFill>
               <a:srgbClr val="0000FF"/>
             </a:solidFill>
@@ -16009,7 +16009,7 @@
           <a:prstGeom prst="line">
             <a:avLst/>
           </a:prstGeom>
-          <a:ln w="1">
+          <a:ln w="12700">
             <a:solidFill>
               <a:srgbClr val="0000FF"/>
             </a:solidFill>
@@ -16045,7 +16045,7 @@
           <a:prstGeom prst="line">
             <a:avLst/>
           </a:prstGeom>
-          <a:ln w="1">
+          <a:ln w="12700">
             <a:solidFill>
               <a:srgbClr val="0000FF"/>
             </a:solidFill>
@@ -16080,7 +16080,7 @@
           <a:prstGeom prst="line">
             <a:avLst/>
           </a:prstGeom>
-          <a:ln w="1">
+          <a:ln w="12700">
             <a:solidFill>
               <a:srgbClr val="0000FF"/>
             </a:solidFill>
@@ -16115,7 +16115,7 @@
           <a:prstGeom prst="line">
             <a:avLst/>
           </a:prstGeom>
-          <a:ln w="1">
+          <a:ln w="12700">
             <a:solidFill>
               <a:srgbClr val="0000FF"/>
             </a:solidFill>
@@ -16150,7 +16150,7 @@
           <a:prstGeom prst="line">
             <a:avLst/>
           </a:prstGeom>
-          <a:ln w="1">
+          <a:ln w="12700">
             <a:solidFill>
               <a:srgbClr val="0000FF"/>
             </a:solidFill>
@@ -16185,7 +16185,7 @@
           <a:prstGeom prst="line">
             <a:avLst/>
           </a:prstGeom>
-          <a:ln w="1">
+          <a:ln w="12700">
             <a:solidFill>
               <a:srgbClr val="0000FF"/>
             </a:solidFill>
@@ -16221,7 +16221,7 @@
           <a:prstGeom prst="line">
             <a:avLst/>
           </a:prstGeom>
-          <a:ln w="1">
+          <a:ln w="12700">
             <a:solidFill>
               <a:srgbClr val="0000FF"/>
             </a:solidFill>
@@ -16256,7 +16256,7 @@
           <a:prstGeom prst="line">
             <a:avLst/>
           </a:prstGeom>
-          <a:ln w="1">
+          <a:ln w="12700">
             <a:solidFill>
               <a:srgbClr val="0000FF"/>
             </a:solidFill>
@@ -16292,7 +16292,7 @@
           <a:prstGeom prst="line">
             <a:avLst/>
           </a:prstGeom>
-          <a:ln w="1">
+          <a:ln w="12700">
             <a:solidFill>
               <a:srgbClr val="0000FF"/>
             </a:solidFill>
@@ -16327,7 +16327,7 @@
           <a:prstGeom prst="line">
             <a:avLst/>
           </a:prstGeom>
-          <a:ln w="1">
+          <a:ln w="12700">
             <a:solidFill>
               <a:srgbClr val="0000FF"/>
             </a:solidFill>
@@ -16362,7 +16362,7 @@
           <a:prstGeom prst="line">
             <a:avLst/>
           </a:prstGeom>
-          <a:ln w="1">
+          <a:ln w="12700">
             <a:solidFill>
               <a:srgbClr val="0000FF"/>
             </a:solidFill>
@@ -16397,7 +16397,7 @@
           <a:prstGeom prst="line">
             <a:avLst/>
           </a:prstGeom>
-          <a:ln w="1">
+          <a:ln w="12700">
             <a:solidFill>
               <a:srgbClr val="0000FF"/>
             </a:solidFill>
@@ -16432,7 +16432,7 @@
           <a:prstGeom prst="line">
             <a:avLst/>
           </a:prstGeom>
-          <a:ln w="1">
+          <a:ln w="12700">
             <a:solidFill>
               <a:srgbClr val="0000FF"/>
             </a:solidFill>
@@ -16533,7 +16533,7 @@
           <a:prstGeom prst="line">
             <a:avLst/>
           </a:prstGeom>
-          <a:ln w="1">
+          <a:ln w="12700">
             <a:solidFill>
               <a:srgbClr val="0000FF"/>
             </a:solidFill>
@@ -16568,7 +16568,7 @@
           <a:prstGeom prst="line">
             <a:avLst/>
           </a:prstGeom>
-          <a:ln w="1">
+          <a:ln w="12700">
             <a:solidFill>
               <a:srgbClr val="0000FF"/>
             </a:solidFill>
@@ -16604,7 +16604,7 @@
           <a:prstGeom prst="line">
             <a:avLst/>
           </a:prstGeom>
-          <a:ln w="1">
+          <a:ln w="12700">
             <a:solidFill>
               <a:srgbClr val="0000FF"/>
             </a:solidFill>
@@ -16639,7 +16639,7 @@
           <a:prstGeom prst="line">
             <a:avLst/>
           </a:prstGeom>
-          <a:ln w="1">
+          <a:ln w="12700">
             <a:solidFill>
               <a:srgbClr val="0000FF"/>
             </a:solidFill>
@@ -16674,7 +16674,7 @@
           <a:prstGeom prst="line">
             <a:avLst/>
           </a:prstGeom>
-          <a:ln w="1">
+          <a:ln w="12700">
             <a:solidFill>
               <a:srgbClr val="0000FF"/>
             </a:solidFill>
@@ -16709,7 +16709,7 @@
           <a:prstGeom prst="line">
             <a:avLst/>
           </a:prstGeom>
-          <a:ln w="1">
+          <a:ln w="12700">
             <a:solidFill>
               <a:srgbClr val="0000FF"/>
             </a:solidFill>
@@ -16744,7 +16744,7 @@
           <a:prstGeom prst="line">
             <a:avLst/>
           </a:prstGeom>
-          <a:ln w="1">
+          <a:ln w="12700">
             <a:solidFill>
               <a:srgbClr val="0000FF"/>
             </a:solidFill>
@@ -16780,7 +16780,7 @@
           <a:prstGeom prst="line">
             <a:avLst/>
           </a:prstGeom>
-          <a:ln w="1">
+          <a:ln w="12700">
             <a:solidFill>
               <a:srgbClr val="0000FF"/>
             </a:solidFill>
@@ -16815,7 +16815,7 @@
           <a:prstGeom prst="line">
             <a:avLst/>
           </a:prstGeom>
-          <a:ln w="1">
+          <a:ln w="12700">
             <a:solidFill>
               <a:srgbClr val="0000FF"/>
             </a:solidFill>
@@ -16851,7 +16851,7 @@
           <a:prstGeom prst="line">
             <a:avLst/>
           </a:prstGeom>
-          <a:ln w="1">
+          <a:ln w="12700">
             <a:solidFill>
               <a:srgbClr val="0000FF"/>
             </a:solidFill>
@@ -16886,7 +16886,7 @@
           <a:prstGeom prst="line">
             <a:avLst/>
           </a:prstGeom>
-          <a:ln w="1">
+          <a:ln w="12700">
             <a:solidFill>
               <a:srgbClr val="0000FF"/>
             </a:solidFill>
@@ -16921,7 +16921,7 @@
           <a:prstGeom prst="line">
             <a:avLst/>
           </a:prstGeom>
-          <a:ln w="1">
+          <a:ln w="12700">
             <a:solidFill>
               <a:srgbClr val="0000FF"/>
             </a:solidFill>
@@ -16956,7 +16956,7 @@
           <a:prstGeom prst="line">
             <a:avLst/>
           </a:prstGeom>
-          <a:ln w="1">
+          <a:ln w="12700">
             <a:solidFill>
               <a:srgbClr val="0000FF"/>
             </a:solidFill>
@@ -16991,7 +16991,7 @@
           <a:prstGeom prst="line">
             <a:avLst/>
           </a:prstGeom>
-          <a:ln w="1">
+          <a:ln w="12700">
             <a:solidFill>
               <a:srgbClr val="0000FF"/>
             </a:solidFill>
@@ -17092,7 +17092,7 @@
           <a:prstGeom prst="line">
             <a:avLst/>
           </a:prstGeom>
-          <a:ln w="1">
+          <a:ln w="12700">
             <a:solidFill>
               <a:srgbClr val="0000FF"/>
             </a:solidFill>
@@ -17127,7 +17127,7 @@
           <a:prstGeom prst="line">
             <a:avLst/>
           </a:prstGeom>
-          <a:ln w="1">
+          <a:ln w="12700">
             <a:solidFill>
               <a:srgbClr val="0000FF"/>
             </a:solidFill>
@@ -17163,7 +17163,7 @@
           <a:prstGeom prst="line">
             <a:avLst/>
           </a:prstGeom>
-          <a:ln w="1">
+          <a:ln w="12700">
             <a:solidFill>
               <a:srgbClr val="0000FF"/>
             </a:solidFill>
@@ -17198,7 +17198,7 @@
           <a:prstGeom prst="line">
             <a:avLst/>
           </a:prstGeom>
-          <a:ln w="1">
+          <a:ln w="12700">
             <a:solidFill>
               <a:srgbClr val="0000FF"/>
             </a:solidFill>
@@ -17233,7 +17233,7 @@
           <a:prstGeom prst="line">
             <a:avLst/>
           </a:prstGeom>
-          <a:ln w="1">
+          <a:ln w="12700">
             <a:solidFill>
               <a:srgbClr val="0000FF"/>
             </a:solidFill>
@@ -17268,7 +17268,7 @@
           <a:prstGeom prst="line">
             <a:avLst/>
           </a:prstGeom>
-          <a:ln w="1">
+          <a:ln w="12700">
             <a:solidFill>
               <a:srgbClr val="0000FF"/>
             </a:solidFill>
@@ -17303,7 +17303,7 @@
           <a:prstGeom prst="line">
             <a:avLst/>
           </a:prstGeom>
-          <a:ln w="1">
+          <a:ln w="12700">
             <a:solidFill>
               <a:srgbClr val="0000FF"/>
             </a:solidFill>
@@ -17339,7 +17339,7 @@
           <a:prstGeom prst="line">
             <a:avLst/>
           </a:prstGeom>
-          <a:ln w="1">
+          <a:ln w="12700">
             <a:solidFill>
               <a:srgbClr val="0000FF"/>
             </a:solidFill>
@@ -17374,7 +17374,7 @@
           <a:prstGeom prst="line">
             <a:avLst/>
           </a:prstGeom>
-          <a:ln w="1">
+          <a:ln w="12700">
             <a:solidFill>
               <a:srgbClr val="0000FF"/>
             </a:solidFill>
@@ -17410,7 +17410,7 @@
           <a:prstGeom prst="line">
             <a:avLst/>
           </a:prstGeom>
-          <a:ln w="1">
+          <a:ln w="12700">
             <a:solidFill>
               <a:srgbClr val="0000FF"/>
             </a:solidFill>
@@ -17445,7 +17445,7 @@
           <a:prstGeom prst="line">
             <a:avLst/>
           </a:prstGeom>
-          <a:ln w="1">
+          <a:ln w="12700">
             <a:solidFill>
               <a:srgbClr val="0000FF"/>
             </a:solidFill>
@@ -17480,7 +17480,7 @@
           <a:prstGeom prst="line">
             <a:avLst/>
           </a:prstGeom>
-          <a:ln w="1">
+          <a:ln w="12700">
             <a:solidFill>
               <a:srgbClr val="0000FF"/>
             </a:solidFill>
@@ -17515,7 +17515,7 @@
           <a:prstGeom prst="line">
             <a:avLst/>
           </a:prstGeom>
-          <a:ln w="1">
+          <a:ln w="12700">
             <a:solidFill>
               <a:srgbClr val="0000FF"/>
             </a:solidFill>
@@ -17550,7 +17550,7 @@
           <a:prstGeom prst="line">
             <a:avLst/>
           </a:prstGeom>
-          <a:ln w="1">
+          <a:ln w="12700">
             <a:solidFill>
               <a:srgbClr val="0000FF"/>
             </a:solidFill>
@@ -17651,7 +17651,7 @@
           <a:prstGeom prst="line">
             <a:avLst/>
           </a:prstGeom>
-          <a:ln w="1">
+          <a:ln w="12700">
             <a:solidFill>
               <a:srgbClr val="0000FF"/>
             </a:solidFill>
@@ -17686,7 +17686,7 @@
           <a:prstGeom prst="line">
             <a:avLst/>
           </a:prstGeom>
-          <a:ln w="1">
+          <a:ln w="12700">
             <a:solidFill>
               <a:srgbClr val="0000FF"/>
             </a:solidFill>
@@ -17722,7 +17722,7 @@
           <a:prstGeom prst="line">
             <a:avLst/>
           </a:prstGeom>
-          <a:ln w="1">
+          <a:ln w="12700">
             <a:solidFill>
               <a:srgbClr val="0000FF"/>
             </a:solidFill>
@@ -17757,7 +17757,7 @@
           <a:prstGeom prst="line">
             <a:avLst/>
           </a:prstGeom>
-          <a:ln w="1">
+          <a:ln w="12700">
             <a:solidFill>
               <a:srgbClr val="0000FF"/>
             </a:solidFill>
@@ -17792,7 +17792,7 @@
           <a:prstGeom prst="line">
             <a:avLst/>
           </a:prstGeom>
-          <a:ln w="1">
+          <a:ln w="12700">
             <a:solidFill>
               <a:srgbClr val="0000FF"/>
             </a:solidFill>
@@ -17827,7 +17827,7 @@
           <a:prstGeom prst="line">
             <a:avLst/>
           </a:prstGeom>
-          <a:ln w="1">
+          <a:ln w="12700">
             <a:solidFill>
               <a:srgbClr val="0000FF"/>
             </a:solidFill>
@@ -17862,7 +17862,7 @@
           <a:prstGeom prst="line">
             <a:avLst/>
           </a:prstGeom>
-          <a:ln w="1">
+          <a:ln w="12700">
             <a:solidFill>
               <a:srgbClr val="0000FF"/>
             </a:solidFill>
@@ -17898,7 +17898,7 @@
           <a:prstGeom prst="line">
             <a:avLst/>
           </a:prstGeom>
-          <a:ln w="1">
+          <a:ln w="12700">
             <a:solidFill>
               <a:srgbClr val="0000FF"/>
             </a:solidFill>
@@ -17933,7 +17933,7 @@
           <a:prstGeom prst="line">
             <a:avLst/>
           </a:prstGeom>
-          <a:ln w="1">
+          <a:ln w="12700">
             <a:solidFill>
               <a:srgbClr val="0000FF"/>
             </a:solidFill>
@@ -17969,7 +17969,7 @@
           <a:prstGeom prst="line">
             <a:avLst/>
           </a:prstGeom>
-          <a:ln w="1">
+          <a:ln w="12700">
             <a:solidFill>
               <a:srgbClr val="0000FF"/>
             </a:solidFill>
@@ -18004,7 +18004,7 @@
           <a:prstGeom prst="line">
             <a:avLst/>
           </a:prstGeom>
-          <a:ln w="1">
+          <a:ln w="12700">
             <a:solidFill>
               <a:srgbClr val="0000FF"/>
             </a:solidFill>
@@ -18039,7 +18039,7 @@
           <a:prstGeom prst="line">
             <a:avLst/>
           </a:prstGeom>
-          <a:ln w="1">
+          <a:ln w="12700">
             <a:solidFill>
               <a:srgbClr val="0000FF"/>
             </a:solidFill>
@@ -18074,7 +18074,7 @@
           <a:prstGeom prst="line">
             <a:avLst/>
           </a:prstGeom>
-          <a:ln w="1">
+          <a:ln w="12700">
             <a:solidFill>
               <a:srgbClr val="0000FF"/>
             </a:solidFill>
@@ -18109,7 +18109,7 @@
           <a:prstGeom prst="line">
             <a:avLst/>
           </a:prstGeom>
-          <a:ln w="1">
+          <a:ln w="12700">
             <a:solidFill>
               <a:srgbClr val="0000FF"/>
             </a:solidFill>
@@ -18210,7 +18210,7 @@
           <a:prstGeom prst="line">
             <a:avLst/>
           </a:prstGeom>
-          <a:ln w="1">
+          <a:ln w="12700">
             <a:solidFill>
               <a:srgbClr val="0000FF"/>
             </a:solidFill>
@@ -18245,7 +18245,7 @@
           <a:prstGeom prst="line">
             <a:avLst/>
           </a:prstGeom>
-          <a:ln w="1">
+          <a:ln w="12700">
             <a:solidFill>
               <a:srgbClr val="0000FF"/>
             </a:solidFill>
@@ -18281,7 +18281,7 @@
           <a:prstGeom prst="line">
             <a:avLst/>
           </a:prstGeom>
-          <a:ln w="1">
+          <a:ln w="12700">
             <a:solidFill>
               <a:srgbClr val="0000FF"/>
             </a:solidFill>
@@ -18316,7 +18316,7 @@
           <a:prstGeom prst="line">
             <a:avLst/>
           </a:prstGeom>
-          <a:ln w="1">
+          <a:ln w="12700">
             <a:solidFill>
               <a:srgbClr val="0000FF"/>
             </a:solidFill>
@@ -18351,7 +18351,7 @@
           <a:prstGeom prst="line">
             <a:avLst/>
           </a:prstGeom>
-          <a:ln w="1">
+          <a:ln w="12700">
             <a:solidFill>
               <a:srgbClr val="0000FF"/>
             </a:solidFill>
@@ -18386,7 +18386,7 @@
           <a:prstGeom prst="line">
             <a:avLst/>
           </a:prstGeom>
-          <a:ln w="1">
+          <a:ln w="12700">
             <a:solidFill>
               <a:srgbClr val="0000FF"/>
             </a:solidFill>
@@ -18421,7 +18421,7 @@
           <a:prstGeom prst="line">
             <a:avLst/>
           </a:prstGeom>
-          <a:ln w="1">
+          <a:ln w="12700">
             <a:solidFill>
               <a:srgbClr val="0000FF"/>
             </a:solidFill>
@@ -18457,7 +18457,7 @@
           <a:prstGeom prst="line">
             <a:avLst/>
           </a:prstGeom>
-          <a:ln w="1">
+          <a:ln w="12700">
             <a:solidFill>
               <a:srgbClr val="0000FF"/>
             </a:solidFill>
@@ -18492,7 +18492,7 @@
           <a:prstGeom prst="line">
             <a:avLst/>
           </a:prstGeom>
-          <a:ln w="1">
+          <a:ln w="12700">
             <a:solidFill>
               <a:srgbClr val="0000FF"/>
             </a:solidFill>
@@ -18528,7 +18528,7 @@
           <a:prstGeom prst="line">
             <a:avLst/>
           </a:prstGeom>
-          <a:ln w="1">
+          <a:ln w="12700">
             <a:solidFill>
               <a:srgbClr val="0000FF"/>
             </a:solidFill>
@@ -18563,7 +18563,7 @@
           <a:prstGeom prst="line">
             <a:avLst/>
           </a:prstGeom>
-          <a:ln w="1">
+          <a:ln w="12700">
             <a:solidFill>
               <a:srgbClr val="0000FF"/>
             </a:solidFill>
@@ -18598,7 +18598,7 @@
           <a:prstGeom prst="line">
             <a:avLst/>
           </a:prstGeom>
-          <a:ln w="1">
+          <a:ln w="12700">
             <a:solidFill>
               <a:srgbClr val="0000FF"/>
             </a:solidFill>
@@ -18633,7 +18633,7 @@
           <a:prstGeom prst="line">
             <a:avLst/>
           </a:prstGeom>
-          <a:ln w="1">
+          <a:ln w="12700">
             <a:solidFill>
               <a:srgbClr val="0000FF"/>
             </a:solidFill>
@@ -18668,7 +18668,7 @@
           <a:prstGeom prst="line">
             <a:avLst/>
           </a:prstGeom>
-          <a:ln w="1">
+          <a:ln w="12700">
             <a:solidFill>
               <a:srgbClr val="0000FF"/>
             </a:solidFill>
@@ -18769,7 +18769,7 @@
           <a:prstGeom prst="line">
             <a:avLst/>
           </a:prstGeom>
-          <a:ln w="1">
+          <a:ln w="12700">
             <a:solidFill>
               <a:srgbClr val="0000FF"/>
             </a:solidFill>
@@ -18804,7 +18804,7 @@
           <a:prstGeom prst="line">
             <a:avLst/>
           </a:prstGeom>
-          <a:ln w="1">
+          <a:ln w="12700">
             <a:solidFill>
               <a:srgbClr val="0000FF"/>
             </a:solidFill>
@@ -18840,7 +18840,7 @@
           <a:prstGeom prst="line">
             <a:avLst/>
           </a:prstGeom>
-          <a:ln w="1">
+          <a:ln w="12700">
             <a:solidFill>
               <a:srgbClr val="0000FF"/>
             </a:solidFill>
@@ -18875,7 +18875,7 @@
           <a:prstGeom prst="line">
             <a:avLst/>
           </a:prstGeom>
-          <a:ln w="1">
+          <a:ln w="12700">
             <a:solidFill>
               <a:srgbClr val="0000FF"/>
             </a:solidFill>
@@ -18910,7 +18910,7 @@
           <a:prstGeom prst="line">
             <a:avLst/>
           </a:prstGeom>
-          <a:ln w="1">
+          <a:ln w="12700">
             <a:solidFill>
               <a:srgbClr val="0000FF"/>
             </a:solidFill>
@@ -18945,7 +18945,7 @@
           <a:prstGeom prst="line">
             <a:avLst/>
           </a:prstGeom>
-          <a:ln w="1">
+          <a:ln w="12700">
             <a:solidFill>
               <a:srgbClr val="0000FF"/>
             </a:solidFill>
@@ -18980,7 +18980,7 @@
           <a:prstGeom prst="line">
             <a:avLst/>
           </a:prstGeom>
-          <a:ln w="1">
+          <a:ln w="12700">
             <a:solidFill>
               <a:srgbClr val="0000FF"/>
             </a:solidFill>
@@ -19016,7 +19016,7 @@
           <a:prstGeom prst="line">
             <a:avLst/>
           </a:prstGeom>
-          <a:ln w="1">
+          <a:ln w="12700">
             <a:solidFill>
               <a:srgbClr val="0000FF"/>
             </a:solidFill>
@@ -19051,7 +19051,7 @@
           <a:prstGeom prst="line">
             <a:avLst/>
           </a:prstGeom>
-          <a:ln w="1">
+          <a:ln w="12700">
             <a:solidFill>
               <a:srgbClr val="0000FF"/>
             </a:solidFill>
@@ -19087,7 +19087,7 @@
           <a:prstGeom prst="line">
             <a:avLst/>
           </a:prstGeom>
-          <a:ln w="1">
+          <a:ln w="12700">
             <a:solidFill>
               <a:srgbClr val="0000FF"/>
             </a:solidFill>
@@ -19122,7 +19122,7 @@
           <a:prstGeom prst="line">
             <a:avLst/>
           </a:prstGeom>
-          <a:ln w="1">
+          <a:ln w="12700">
             <a:solidFill>
               <a:srgbClr val="0000FF"/>
             </a:solidFill>
@@ -19157,7 +19157,7 @@
           <a:prstGeom prst="line">
             <a:avLst/>
           </a:prstGeom>
-          <a:ln w="1">
+          <a:ln w="12700">
             <a:solidFill>
               <a:srgbClr val="0000FF"/>
             </a:solidFill>
@@ -19192,7 +19192,7 @@
           <a:prstGeom prst="line">
             <a:avLst/>
           </a:prstGeom>
-          <a:ln w="1">
+          <a:ln w="12700">
             <a:solidFill>
               <a:srgbClr val="0000FF"/>
             </a:solidFill>
@@ -19227,7 +19227,7 @@
           <a:prstGeom prst="line">
             <a:avLst/>
           </a:prstGeom>
-          <a:ln w="1">
+          <a:ln w="12700">
             <a:solidFill>
               <a:srgbClr val="0000FF"/>
             </a:solidFill>
@@ -19328,7 +19328,7 @@
           <a:prstGeom prst="line">
             <a:avLst/>
           </a:prstGeom>
-          <a:ln w="1">
+          <a:ln w="12700">
             <a:solidFill>
               <a:srgbClr val="0000FF"/>
             </a:solidFill>
@@ -19363,7 +19363,7 @@
           <a:prstGeom prst="line">
             <a:avLst/>
           </a:prstGeom>
-          <a:ln w="1">
+          <a:ln w="12700">
             <a:solidFill>
               <a:srgbClr val="0000FF"/>
             </a:solidFill>
@@ -19399,7 +19399,7 @@
           <a:prstGeom prst="line">
             <a:avLst/>
           </a:prstGeom>
-          <a:ln w="1">
+          <a:ln w="12700">
             <a:solidFill>
               <a:srgbClr val="0000FF"/>
             </a:solidFill>
@@ -19434,7 +19434,7 @@
           <a:prstGeom prst="line">
             <a:avLst/>
           </a:prstGeom>
-          <a:ln w="1">
+          <a:ln w="12700">
             <a:solidFill>
               <a:srgbClr val="0000FF"/>
             </a:solidFill>
@@ -19469,7 +19469,7 @@
           <a:prstGeom prst="line">
             <a:avLst/>
           </a:prstGeom>
-          <a:ln w="1">
+          <a:ln w="12700">
             <a:solidFill>
               <a:srgbClr val="0000FF"/>
             </a:solidFill>
@@ -19504,7 +19504,7 @@
           <a:prstGeom prst="line">
             <a:avLst/>
           </a:prstGeom>
-          <a:ln w="1">
+          <a:ln w="12700">
             <a:solidFill>
               <a:srgbClr val="0000FF"/>
             </a:solidFill>
@@ -19539,7 +19539,7 @@
           <a:prstGeom prst="line">
             <a:avLst/>
           </a:prstGeom>
-          <a:ln w="1">
+          <a:ln w="12700">
             <a:solidFill>
               <a:srgbClr val="0000FF"/>
             </a:solidFill>
@@ -19575,7 +19575,7 @@
           <a:prstGeom prst="line">
             <a:avLst/>
           </a:prstGeom>
-          <a:ln w="1">
+          <a:ln w="12700">
             <a:solidFill>
               <a:srgbClr val="0000FF"/>
             </a:solidFill>
@@ -19610,7 +19610,7 @@
           <a:prstGeom prst="line">
             <a:avLst/>
           </a:prstGeom>
-          <a:ln w="1">
+          <a:ln w="12700">
             <a:solidFill>
               <a:srgbClr val="0000FF"/>
             </a:solidFill>
@@ -19646,7 +19646,7 @@
           <a:prstGeom prst="line">
             <a:avLst/>
           </a:prstGeom>
-          <a:ln w="1">
+          <a:ln w="12700">
             <a:solidFill>
               <a:srgbClr val="0000FF"/>
             </a:solidFill>
@@ -19681,7 +19681,7 @@
           <a:prstGeom prst="line">
             <a:avLst/>
           </a:prstGeom>
-          <a:ln w="1">
+          <a:ln w="12700">
             <a:solidFill>
               <a:srgbClr val="0000FF"/>
             </a:solidFill>
@@ -19716,7 +19716,7 @@
           <a:prstGeom prst="line">
             <a:avLst/>
           </a:prstGeom>
-          <a:ln w="1">
+          <a:ln w="12700">
             <a:solidFill>
               <a:srgbClr val="0000FF"/>
             </a:solidFill>
@@ -19751,7 +19751,7 @@
           <a:prstGeom prst="line">
             <a:avLst/>
           </a:prstGeom>
-          <a:ln w="1">
+          <a:ln w="12700">
             <a:solidFill>
               <a:srgbClr val="0000FF"/>
             </a:solidFill>
@@ -19786,7 +19786,7 @@
           <a:prstGeom prst="line">
             <a:avLst/>
           </a:prstGeom>
-          <a:ln w="1">
+          <a:ln w="12700">
             <a:solidFill>
               <a:srgbClr val="0000FF"/>
             </a:solidFill>
@@ -19887,7 +19887,7 @@
           <a:prstGeom prst="line">
             <a:avLst/>
           </a:prstGeom>
-          <a:ln w="1">
+          <a:ln w="12700">
             <a:solidFill>
               <a:srgbClr val="0000FF"/>
             </a:solidFill>
@@ -19922,7 +19922,7 @@
           <a:prstGeom prst="line">
             <a:avLst/>
           </a:prstGeom>
-          <a:ln w="1">
+          <a:ln w="12700">
             <a:solidFill>
               <a:srgbClr val="0000FF"/>
             </a:solidFill>
@@ -19958,7 +19958,7 @@
           <a:prstGeom prst="line">
             <a:avLst/>
           </a:prstGeom>
-          <a:ln w="1">
+          <a:ln w="12700">
             <a:solidFill>
               <a:srgbClr val="0000FF"/>
             </a:solidFill>
@@ -19993,7 +19993,7 @@
           <a:prstGeom prst="line">
             <a:avLst/>
           </a:prstGeom>
-          <a:ln w="1">
+          <a:ln w="12700">
             <a:solidFill>
               <a:srgbClr val="0000FF"/>
             </a:solidFill>
@@ -20028,7 +20028,7 @@
           <a:prstGeom prst="line">
             <a:avLst/>
           </a:prstGeom>
-          <a:ln w="1">
+          <a:ln w="12700">
             <a:solidFill>
               <a:srgbClr val="0000FF"/>
             </a:solidFill>
@@ -20063,7 +20063,7 @@
           <a:prstGeom prst="line">
             <a:avLst/>
           </a:prstGeom>
-          <a:ln w="1">
+          <a:ln w="12700">
             <a:solidFill>
               <a:srgbClr val="0000FF"/>
             </a:solidFill>
@@ -20098,7 +20098,7 @@
           <a:prstGeom prst="line">
             <a:avLst/>
           </a:prstGeom>
-          <a:ln w="1">
+          <a:ln w="12700">
             <a:solidFill>
               <a:srgbClr val="0000FF"/>
             </a:solidFill>
@@ -20134,7 +20134,7 @@
           <a:prstGeom prst="line">
             <a:avLst/>
           </a:prstGeom>
-          <a:ln w="1">
+          <a:ln w="12700">
             <a:solidFill>
               <a:srgbClr val="0000FF"/>
             </a:solidFill>
@@ -20169,7 +20169,7 @@
           <a:prstGeom prst="line">
             <a:avLst/>
           </a:prstGeom>
-          <a:ln w="1">
+          <a:ln w="12700">
             <a:solidFill>
               <a:srgbClr val="0000FF"/>
             </a:solidFill>
@@ -20205,7 +20205,7 @@
           <a:prstGeom prst="line">
             <a:avLst/>
           </a:prstGeom>
-          <a:ln w="1">
+          <a:ln w="12700">
             <a:solidFill>
               <a:srgbClr val="0000FF"/>
             </a:solidFill>
@@ -20240,7 +20240,7 @@
           <a:prstGeom prst="line">
             <a:avLst/>
           </a:prstGeom>
-          <a:ln w="1">
+          <a:ln w="12700">
             <a:solidFill>
               <a:srgbClr val="0000FF"/>
             </a:solidFill>
@@ -20275,7 +20275,7 @@
           <a:prstGeom prst="line">
             <a:avLst/>
           </a:prstGeom>
-          <a:ln w="1">
+          <a:ln w="12700">
             <a:solidFill>
               <a:srgbClr val="0000FF"/>
             </a:solidFill>
@@ -20310,7 +20310,7 @@
           <a:prstGeom prst="line">
             <a:avLst/>
           </a:prstGeom>
-          <a:ln w="1">
+          <a:ln w="12700">
             <a:solidFill>
               <a:srgbClr val="0000FF"/>
             </a:solidFill>
@@ -20345,7 +20345,7 @@
           <a:prstGeom prst="line">
             <a:avLst/>
           </a:prstGeom>
-          <a:ln w="1">
+          <a:ln w="12700">
             <a:solidFill>
               <a:srgbClr val="0000FF"/>
             </a:solidFill>
@@ -20446,7 +20446,7 @@
           <a:prstGeom prst="line">
             <a:avLst/>
           </a:prstGeom>
-          <a:ln w="1">
+          <a:ln w="12700">
             <a:solidFill>
               <a:srgbClr val="0000FF"/>
             </a:solidFill>
@@ -20481,7 +20481,7 @@
           <a:prstGeom prst="line">
             <a:avLst/>
           </a:prstGeom>
-          <a:ln w="1">
+          <a:ln w="12700">
             <a:solidFill>
               <a:srgbClr val="0000FF"/>
             </a:solidFill>
@@ -20517,7 +20517,7 @@
           <a:prstGeom prst="line">
             <a:avLst/>
           </a:prstGeom>
-          <a:ln w="1">
+          <a:ln w="12700">
             <a:solidFill>
               <a:srgbClr val="0000FF"/>
             </a:solidFill>
@@ -20552,7 +20552,7 @@
           <a:prstGeom prst="line">
             <a:avLst/>
           </a:prstGeom>
-          <a:ln w="1">
+          <a:ln w="12700">
             <a:solidFill>
               <a:srgbClr val="0000FF"/>
             </a:solidFill>
@@ -20587,7 +20587,7 @@
           <a:prstGeom prst="line">
             <a:avLst/>
           </a:prstGeom>
-          <a:ln w="1">
+          <a:ln w="12700">
             <a:solidFill>
               <a:srgbClr val="0000FF"/>
             </a:solidFill>
@@ -20622,7 +20622,7 @@
           <a:prstGeom prst="line">
             <a:avLst/>
           </a:prstGeom>
-          <a:ln w="1">
+          <a:ln w="12700">
             <a:solidFill>
               <a:srgbClr val="0000FF"/>
             </a:solidFill>
@@ -20657,7 +20657,7 @@
           <a:prstGeom prst="line">
             <a:avLst/>
           </a:prstGeom>
-          <a:ln w="1">
+          <a:ln w="12700">
             <a:solidFill>
               <a:srgbClr val="0000FF"/>
             </a:solidFill>
@@ -20693,7 +20693,7 @@
           <a:prstGeom prst="line">
             <a:avLst/>
           </a:prstGeom>
-          <a:ln w="1">
+          <a:ln w="12700">
             <a:solidFill>
               <a:srgbClr val="0000FF"/>
             </a:solidFill>
@@ -20728,7 +20728,7 @@
           <a:prstGeom prst="line">
             <a:avLst/>
           </a:prstGeom>
-          <a:ln w="1">
+          <a:ln w="12700">
             <a:solidFill>
               <a:srgbClr val="0000FF"/>
             </a:solidFill>
@@ -20764,7 +20764,7 @@
           <a:prstGeom prst="line">
             <a:avLst/>
           </a:prstGeom>
-          <a:ln w="1">
+          <a:ln w="12700">
             <a:solidFill>
               <a:srgbClr val="0000FF"/>
             </a:solidFill>
@@ -20799,7 +20799,7 @@
           <a:prstGeom prst="line">
             <a:avLst/>
           </a:prstGeom>
-          <a:ln w="1">
+          <a:ln w="12700">
             <a:solidFill>
               <a:srgbClr val="0000FF"/>
             </a:solidFill>
@@ -20834,7 +20834,7 @@
           <a:prstGeom prst="line">
             <a:avLst/>
           </a:prstGeom>
-          <a:ln w="1">
+          <a:ln w="12700">
             <a:solidFill>
               <a:srgbClr val="0000FF"/>
             </a:solidFill>
@@ -20869,7 +20869,7 @@
           <a:prstGeom prst="line">
             <a:avLst/>
           </a:prstGeom>
-          <a:ln w="1">
+          <a:ln w="12700">
             <a:solidFill>
               <a:srgbClr val="0000FF"/>
             </a:solidFill>
@@ -20904,7 +20904,7 @@
           <a:prstGeom prst="line">
             <a:avLst/>
           </a:prstGeom>
-          <a:ln w="1">
+          <a:ln w="12700">
             <a:solidFill>
               <a:srgbClr val="0000FF"/>
             </a:solidFill>
@@ -21005,7 +21005,7 @@
           <a:prstGeom prst="line">
             <a:avLst/>
           </a:prstGeom>
-          <a:ln w="1">
+          <a:ln w="12700">
             <a:solidFill>
               <a:srgbClr val="0000FF"/>
             </a:solidFill>
@@ -21040,7 +21040,7 @@
           <a:prstGeom prst="line">
             <a:avLst/>
           </a:prstGeom>
-          <a:ln w="1">
+          <a:ln w="12700">
             <a:solidFill>
               <a:srgbClr val="0000FF"/>
             </a:solidFill>
@@ -21076,7 +21076,7 @@
           <a:prstGeom prst="line">
             <a:avLst/>
           </a:prstGeom>
-          <a:ln w="1">
+          <a:ln w="12700">
             <a:solidFill>
               <a:srgbClr val="0000FF"/>
             </a:solidFill>
@@ -21111,7 +21111,7 @@
           <a:prstGeom prst="line">
             <a:avLst/>
           </a:prstGeom>
-          <a:ln w="1">
+          <a:ln w="12700">
             <a:solidFill>
               <a:srgbClr val="0000FF"/>
             </a:solidFill>
@@ -21146,7 +21146,7 @@
           <a:prstGeom prst="line">
             <a:avLst/>
           </a:prstGeom>
-          <a:ln w="1">
+          <a:ln w="12700">
             <a:solidFill>
               <a:srgbClr val="0000FF"/>
             </a:solidFill>
@@ -21181,7 +21181,7 @@
           <a:prstGeom prst="line">
             <a:avLst/>
           </a:prstGeom>
-          <a:ln w="1">
+          <a:ln w="12700">
             <a:solidFill>
               <a:srgbClr val="0000FF"/>
             </a:solidFill>
@@ -21216,7 +21216,7 @@
           <a:prstGeom prst="line">
             <a:avLst/>
           </a:prstGeom>
-          <a:ln w="1">
+          <a:ln w="12700">
             <a:solidFill>
               <a:srgbClr val="0000FF"/>
             </a:solidFill>
@@ -21252,7 +21252,7 @@
           <a:prstGeom prst="line">
             <a:avLst/>
           </a:prstGeom>
-          <a:ln w="1">
+          <a:ln w="12700">
             <a:solidFill>
               <a:srgbClr val="0000FF"/>
             </a:solidFill>
@@ -21287,7 +21287,7 @@
           <a:prstGeom prst="line">
             <a:avLst/>
           </a:prstGeom>
-          <a:ln w="1">
+          <a:ln w="12700">
             <a:solidFill>
               <a:srgbClr val="0000FF"/>
             </a:solidFill>
@@ -21323,7 +21323,7 @@
           <a:prstGeom prst="line">
             <a:avLst/>
           </a:prstGeom>
-          <a:ln w="1">
+          <a:ln w="12700">
             <a:solidFill>
               <a:srgbClr val="0000FF"/>
             </a:solidFill>
@@ -21358,7 +21358,7 @@
           <a:prstGeom prst="line">
             <a:avLst/>
           </a:prstGeom>
-          <a:ln w="1">
+          <a:ln w="12700">
             <a:solidFill>
               <a:srgbClr val="0000FF"/>
             </a:solidFill>
@@ -21393,7 +21393,7 @@
           <a:prstGeom prst="line">
             <a:avLst/>
           </a:prstGeom>
-          <a:ln w="1">
+          <a:ln w="12700">
             <a:solidFill>
               <a:srgbClr val="0000FF"/>
             </a:solidFill>
@@ -21428,7 +21428,7 @@
           <a:prstGeom prst="line">
             <a:avLst/>
           </a:prstGeom>
-          <a:ln w="1">
+          <a:ln w="12700">
             <a:solidFill>
               <a:srgbClr val="0000FF"/>
             </a:solidFill>
@@ -21463,7 +21463,7 @@
           <a:prstGeom prst="line">
             <a:avLst/>
           </a:prstGeom>
-          <a:ln w="1">
+          <a:ln w="12700">
             <a:solidFill>
               <a:srgbClr val="0000FF"/>
             </a:solidFill>
@@ -21564,7 +21564,7 @@
           <a:prstGeom prst="line">
             <a:avLst/>
           </a:prstGeom>
-          <a:ln w="1">
+          <a:ln w="12700">
             <a:solidFill>
               <a:srgbClr val="0000FF"/>
             </a:solidFill>
@@ -21599,7 +21599,7 @@
           <a:prstGeom prst="line">
             <a:avLst/>
           </a:prstGeom>
-          <a:ln w="1">
+          <a:ln w="12700">
             <a:solidFill>
               <a:srgbClr val="0000FF"/>
             </a:solidFill>
@@ -21635,7 +21635,7 @@
           <a:prstGeom prst="line">
             <a:avLst/>
           </a:prstGeom>
-          <a:ln w="1">
+          <a:ln w="12700">
             <a:solidFill>
               <a:srgbClr val="0000FF"/>
             </a:solidFill>
@@ -21670,7 +21670,7 @@
           <a:prstGeom prst="line">
             <a:avLst/>
           </a:prstGeom>
-          <a:ln w="1">
+          <a:ln w="12700">
             <a:solidFill>
               <a:srgbClr val="0000FF"/>
             </a:solidFill>
@@ -21705,7 +21705,7 @@
           <a:prstGeom prst="line">
             <a:avLst/>
           </a:prstGeom>
-          <a:ln w="1">
+          <a:ln w="12700">
             <a:solidFill>
               <a:srgbClr val="0000FF"/>
             </a:solidFill>
@@ -21740,7 +21740,7 @@
           <a:prstGeom prst="line">
             <a:avLst/>
           </a:prstGeom>
-          <a:ln w="1">
+          <a:ln w="12700">
             <a:solidFill>
               <a:srgbClr val="0000FF"/>
             </a:solidFill>
@@ -21775,7 +21775,7 @@
           <a:prstGeom prst="line">
             <a:avLst/>
           </a:prstGeom>
-          <a:ln w="1">
+          <a:ln w="12700">
             <a:solidFill>
               <a:srgbClr val="0000FF"/>
             </a:solidFill>
@@ -21811,7 +21811,7 @@
           <a:prstGeom prst="line">
             <a:avLst/>
           </a:prstGeom>
-          <a:ln w="1">
+          <a:ln w="12700">
             <a:solidFill>
               <a:srgbClr val="0000FF"/>
             </a:solidFill>
@@ -21846,7 +21846,7 @@
           <a:prstGeom prst="line">
             <a:avLst/>
           </a:prstGeom>
-          <a:ln w="1">
+          <a:ln w="12700">
             <a:solidFill>
               <a:srgbClr val="0000FF"/>
             </a:solidFill>
@@ -21882,7 +21882,7 @@
           <a:prstGeom prst="line">
             <a:avLst/>
           </a:prstGeom>
-          <a:ln w="1">
+          <a:ln w="12700">
             <a:solidFill>
               <a:srgbClr val="0000FF"/>
             </a:solidFill>
@@ -21917,7 +21917,7 @@
           <a:prstGeom prst="line">
             <a:avLst/>
           </a:prstGeom>
-          <a:ln w="1">
+          <a:ln w="12700">
             <a:solidFill>
               <a:srgbClr val="0000FF"/>
             </a:solidFill>
@@ -21952,7 +21952,7 @@
           <a:prstGeom prst="line">
             <a:avLst/>
           </a:prstGeom>
-          <a:ln w="1">
+          <a:ln w="12700">
             <a:solidFill>
               <a:srgbClr val="0000FF"/>
             </a:solidFill>
@@ -21987,7 +21987,7 @@
           <a:prstGeom prst="line">
             <a:avLst/>
           </a:prstGeom>
-          <a:ln w="1">
+          <a:ln w="12700">
             <a:solidFill>
               <a:srgbClr val="0000FF"/>
             </a:solidFill>
@@ -22022,7 +22022,7 @@
           <a:prstGeom prst="line">
             <a:avLst/>
           </a:prstGeom>
-          <a:ln w="1">
+          <a:ln w="12700">
             <a:solidFill>
               <a:srgbClr val="0000FF"/>
             </a:solidFill>
@@ -22123,7 +22123,7 @@
           <a:prstGeom prst="line">
             <a:avLst/>
           </a:prstGeom>
-          <a:ln w="1">
+          <a:ln w="12700">
             <a:solidFill>
               <a:srgbClr val="0000FF"/>
             </a:solidFill>
@@ -22158,7 +22158,7 @@
           <a:prstGeom prst="line">
             <a:avLst/>
           </a:prstGeom>
-          <a:ln w="1">
+          <a:ln w="12700">
             <a:solidFill>
               <a:srgbClr val="0000FF"/>
             </a:solidFill>
@@ -22194,7 +22194,7 @@
           <a:prstGeom prst="line">
             <a:avLst/>
           </a:prstGeom>
-          <a:ln w="1">
+          <a:ln w="12700">
             <a:solidFill>
               <a:srgbClr val="0000FF"/>
             </a:solidFill>
@@ -22229,7 +22229,7 @@
           <a:prstGeom prst="line">
             <a:avLst/>
           </a:prstGeom>
-          <a:ln w="1">
+          <a:ln w="12700">
             <a:solidFill>
               <a:srgbClr val="0000FF"/>
             </a:solidFill>
@@ -22264,7 +22264,7 @@
           <a:prstGeom prst="line">
             <a:avLst/>
           </a:prstGeom>
-          <a:ln w="1">
+          <a:ln w="12700">
             <a:solidFill>
               <a:srgbClr val="0000FF"/>
             </a:solidFill>
@@ -22299,7 +22299,7 @@
           <a:prstGeom prst="line">
             <a:avLst/>
           </a:prstGeom>
-          <a:ln w="1">
+          <a:ln w="12700">
             <a:solidFill>
               <a:srgbClr val="0000FF"/>
             </a:solidFill>
@@ -22334,7 +22334,7 @@
           <a:prstGeom prst="line">
             <a:avLst/>
           </a:prstGeom>
-          <a:ln w="1">
+          <a:ln w="12700">
             <a:solidFill>
               <a:srgbClr val="0000FF"/>
             </a:solidFill>
@@ -22370,7 +22370,7 @@
           <a:prstGeom prst="line">
             <a:avLst/>
           </a:prstGeom>
-          <a:ln w="1">
+          <a:ln w="12700">
             <a:solidFill>
               <a:srgbClr val="0000FF"/>
             </a:solidFill>
@@ -22405,7 +22405,7 @@
           <a:prstGeom prst="line">
             <a:avLst/>
           </a:prstGeom>
-          <a:ln w="1">
+          <a:ln w="12700">
             <a:solidFill>
               <a:srgbClr val="0000FF"/>
             </a:solidFill>
@@ -22441,7 +22441,7 @@
           <a:prstGeom prst="line">
             <a:avLst/>
           </a:prstGeom>
-          <a:ln w="1">
+          <a:ln w="12700">
             <a:solidFill>
               <a:srgbClr val="0000FF"/>
             </a:solidFill>
@@ -22476,7 +22476,7 @@
           <a:prstGeom prst="line">
             <a:avLst/>
           </a:prstGeom>
-          <a:ln w="1">
+          <a:ln w="12700">
             <a:solidFill>
               <a:srgbClr val="0000FF"/>
             </a:solidFill>
@@ -22511,7 +22511,7 @@
           <a:prstGeom prst="line">
             <a:avLst/>
           </a:prstGeom>
-          <a:ln w="1">
+          <a:ln w="12700">
             <a:solidFill>
               <a:srgbClr val="0000FF"/>
             </a:solidFill>
@@ -22546,7 +22546,7 @@
           <a:prstGeom prst="line">
             <a:avLst/>
           </a:prstGeom>
-          <a:ln w="1">
+          <a:ln w="12700">
             <a:solidFill>
               <a:srgbClr val="0000FF"/>
             </a:solidFill>
@@ -22581,7 +22581,7 @@
           <a:prstGeom prst="line">
             <a:avLst/>
           </a:prstGeom>
-          <a:ln w="1">
+          <a:ln w="12700">
             <a:solidFill>
               <a:srgbClr val="0000FF"/>
             </a:solidFill>
@@ -22748,7 +22748,7 @@
           <a:prstGeom prst="line">
             <a:avLst/>
           </a:prstGeom>
-          <a:ln w="1">
+          <a:ln w="12700">
             <a:solidFill>
               <a:srgbClr val="0000FF"/>
             </a:solidFill>
@@ -22784,7 +22784,7 @@
           <a:prstGeom prst="line">
             <a:avLst/>
           </a:prstGeom>
-          <a:ln w="1">
+          <a:ln w="12700">
             <a:solidFill>
               <a:srgbClr val="0000FF"/>
             </a:solidFill>
@@ -22853,7 +22853,7 @@
           <a:prstGeom prst="line">
             <a:avLst/>
           </a:prstGeom>
-          <a:ln w="1">
+          <a:ln w="12700">
             <a:solidFill>
               <a:srgbClr val="0000FF"/>
             </a:solidFill>
@@ -22889,7 +22889,7 @@
           <a:prstGeom prst="line">
             <a:avLst/>
           </a:prstGeom>
-          <a:ln w="1">
+          <a:ln w="12700">
             <a:solidFill>
               <a:srgbClr val="0000FF"/>
             </a:solidFill>
@@ -22958,7 +22958,7 @@
           <a:prstGeom prst="line">
             <a:avLst/>
           </a:prstGeom>
-          <a:ln w="1">
+          <a:ln w="12700">
             <a:solidFill>
               <a:srgbClr val="0000FF"/>
             </a:solidFill>
@@ -22994,7 +22994,7 @@
           <a:prstGeom prst="line">
             <a:avLst/>
           </a:prstGeom>
-          <a:ln w="1">
+          <a:ln w="12700">
             <a:solidFill>
               <a:srgbClr val="0000FF"/>
             </a:solidFill>
@@ -23063,7 +23063,7 @@
           <a:prstGeom prst="line">
             <a:avLst/>
           </a:prstGeom>
-          <a:ln w="1">
+          <a:ln w="12700">
             <a:solidFill>
               <a:srgbClr val="0000FF"/>
             </a:solidFill>
@@ -23099,7 +23099,7 @@
           <a:prstGeom prst="line">
             <a:avLst/>
           </a:prstGeom>
-          <a:ln w="1">
+          <a:ln w="12700">
             <a:solidFill>
               <a:srgbClr val="0000FF"/>
             </a:solidFill>
@@ -23168,7 +23168,7 @@
           <a:prstGeom prst="line">
             <a:avLst/>
           </a:prstGeom>
-          <a:ln w="1">
+          <a:ln w="12700">
             <a:solidFill>
               <a:srgbClr val="0000FF"/>
             </a:solidFill>
@@ -23204,7 +23204,7 @@
           <a:prstGeom prst="line">
             <a:avLst/>
           </a:prstGeom>
-          <a:ln w="1">
+          <a:ln w="12700">
             <a:solidFill>
               <a:srgbClr val="0000FF"/>
             </a:solidFill>
@@ -23273,7 +23273,7 @@
           <a:prstGeom prst="line">
             <a:avLst/>
           </a:prstGeom>
-          <a:ln w="1">
+          <a:ln w="12700">
             <a:solidFill>
               <a:srgbClr val="0000FF"/>
             </a:solidFill>
@@ -23309,7 +23309,7 @@
           <a:prstGeom prst="line">
             <a:avLst/>
           </a:prstGeom>
-          <a:ln w="1">
+          <a:ln w="12700">
             <a:solidFill>
               <a:srgbClr val="0000FF"/>
             </a:solidFill>
